--- a/course-material/assignment-2021.pptx
+++ b/course-material/assignment-2021.pptx
@@ -6,7 +6,7 @@
     <p:sldMasterId id="2147484114" r:id="rId5"/>
   </p:sldMasterIdLst>
   <p:notesMasterIdLst>
-    <p:notesMasterId r:id="rId25"/>
+    <p:notesMasterId r:id="rId29"/>
   </p:notesMasterIdLst>
   <p:sldIdLst>
     <p:sldId id="257" r:id="rId6"/>
@@ -28,6 +28,10 @@
     <p:sldId id="273" r:id="rId22"/>
     <p:sldId id="274" r:id="rId23"/>
     <p:sldId id="275" r:id="rId24"/>
+    <p:sldId id="276" r:id="rId25"/>
+    <p:sldId id="277" r:id="rId26"/>
+    <p:sldId id="278" r:id="rId27"/>
+    <p:sldId id="279" r:id="rId28"/>
   </p:sldIdLst>
   <p:sldSz cx="12192000" cy="6858000"/>
   <p:notesSz cx="6805613" cy="9944100"/>
@@ -275,7 +279,7 @@
           <a:p>
             <a:fld id="{161A4FA0-7ABA-074D-9478-F03524FEF741}" type="datetimeFigureOut">
               <a:rPr lang="en-GB" smtClean="0"/>
-              <a:t>09/03/2021</a:t>
+              <a:t>15/03/2021</a:t>
             </a:fld>
             <a:endParaRPr lang="en-GB"/>
           </a:p>
@@ -9840,78 +9844,194 @@
           </a:p>
         </p:txBody>
       </p:sp>
-      <p:sp>
-        <p:nvSpPr>
-          <p:cNvPr id="4" name="Text Placeholder 3">
-            <a:extLst>
-              <a:ext uri="{FF2B5EF4-FFF2-40B4-BE49-F238E27FC236}">
-                <a16:creationId xmlns:a16="http://schemas.microsoft.com/office/drawing/2014/main" id="{5D431B7C-10E7-554F-AE26-5A24CBC5B803}"/>
-              </a:ext>
-            </a:extLst>
-          </p:cNvPr>
-          <p:cNvSpPr>
-            <a:spLocks noGrp="1"/>
-          </p:cNvSpPr>
-          <p:nvPr>
-            <p:ph type="body" sz="quarter" idx="11"/>
-          </p:nvPr>
-        </p:nvSpPr>
-        <p:spPr/>
-        <p:txBody>
-          <a:bodyPr/>
-          <a:lstStyle/>
-          <a:p>
-            <a:r>
-              <a:rPr lang="en-GB" dirty="0"/>
-              <a:t>start simple</a:t>
-            </a:r>
-          </a:p>
-          <a:p>
-            <a:r>
-              <a:rPr lang="en-GB" dirty="0"/>
-              <a:t>Divide the space in two domains along a straight boundary parallel with cell boundaries. </a:t>
-            </a:r>
-          </a:p>
-          <a:p>
-            <a:r>
-              <a:rPr lang="en-GB" dirty="0"/>
-              <a:t>think about the consequences of having the domain boundary in the middle of the cells vs coinciding with the cell boundary.</a:t>
-            </a:r>
-          </a:p>
-          <a:p>
-            <a:r>
-              <a:rPr lang="en-GB" dirty="0"/>
-              <a:t>decide what to communicate and how</a:t>
-            </a:r>
-          </a:p>
-          <a:p>
-            <a:r>
-              <a:rPr lang="en-GB" dirty="0"/>
-              <a:t>try to overlap computation and communication</a:t>
-            </a:r>
-          </a:p>
-          <a:p>
-            <a:r>
-              <a:rPr lang="en-GB" dirty="0"/>
-              <a:t>Once you understand the machinery, you can proceed further</a:t>
-            </a:r>
-          </a:p>
-          <a:p>
-            <a:pPr lvl="1"/>
-            <a:r>
-              <a:rPr lang="en-GB" dirty="0"/>
-              <a:t>you should get a 2 domain case working</a:t>
-            </a:r>
-          </a:p>
-          <a:p>
-            <a:pPr lvl="1"/>
-            <a:r>
-              <a:rPr lang="en-GB" dirty="0"/>
-              <a:t>draw up a plan on how to go beyond 2 domains</a:t>
-            </a:r>
-          </a:p>
-        </p:txBody>
-      </p:sp>
+      <mc:AlternateContent xmlns:mc="http://schemas.openxmlformats.org/markup-compatibility/2006">
+        <mc:Choice xmlns:a14="http://schemas.microsoft.com/office/drawing/2010/main" Requires="a14">
+          <p:sp>
+            <p:nvSpPr>
+              <p:cNvPr id="4" name="Text Placeholder 3">
+                <a:extLst>
+                  <a:ext uri="{FF2B5EF4-FFF2-40B4-BE49-F238E27FC236}">
+                    <a16:creationId xmlns:a16="http://schemas.microsoft.com/office/drawing/2014/main" id="{5D431B7C-10E7-554F-AE26-5A24CBC5B803}"/>
+                  </a:ext>
+                </a:extLst>
+              </p:cNvPr>
+              <p:cNvSpPr>
+                <a:spLocks noGrp="1"/>
+              </p:cNvSpPr>
+              <p:nvPr>
+                <p:ph type="body" sz="quarter" idx="11"/>
+              </p:nvPr>
+            </p:nvSpPr>
+            <p:spPr/>
+            <p:txBody>
+              <a:bodyPr>
+                <a:normAutofit fontScale="92500" lnSpcReduction="20000"/>
+              </a:bodyPr>
+              <a:lstStyle/>
+              <a:p>
+                <a:r>
+                  <a:rPr lang="en-GB" dirty="0"/>
+                  <a:t>start simple</a:t>
+                </a:r>
+              </a:p>
+              <a:p>
+                <a:pPr lvl="1"/>
+                <a:r>
+                  <a:rPr lang="en-GB" dirty="0"/>
+                  <a:t>small domain, no cut-off, no time integration, compute the interaction energy.</a:t>
+                </a:r>
+              </a:p>
+              <a:p>
+                <a:pPr lvl="1"/>
+                <a:r>
+                  <a:rPr lang="en-GB" dirty="0"/>
+                  <a:t>add time integration </a:t>
+                </a:r>
+              </a:p>
+              <a:p>
+                <a:pPr lvl="1"/>
+                <a:r>
+                  <a:rPr lang="en-GB" dirty="0"/>
+                  <a:t>add cut-off (brute force </a:t>
+                </a:r>
+                <a14:m>
+                  <m:oMath xmlns:m="http://schemas.openxmlformats.org/officeDocument/2006/math">
+                    <m:r>
+                      <a:rPr lang="en-US" b="0" i="1" smtClean="0">
+                        <a:latin typeface="Cambria Math" panose="02040503050406030204" pitchFamily="18" charset="0"/>
+                      </a:rPr>
+                      <m:t>𝑂</m:t>
+                    </m:r>
+                    <m:d>
+                      <m:dPr>
+                        <m:ctrlPr>
+                          <a:rPr lang="en-US" b="0" i="1" smtClean="0">
+                            <a:latin typeface="Cambria Math" panose="02040503050406030204" pitchFamily="18" charset="0"/>
+                          </a:rPr>
+                        </m:ctrlPr>
+                      </m:dPr>
+                      <m:e>
+                        <m:sSup>
+                          <m:sSupPr>
+                            <m:ctrlPr>
+                              <a:rPr lang="en-US" b="0" i="1" smtClean="0">
+                                <a:latin typeface="Cambria Math" panose="02040503050406030204" pitchFamily="18" charset="0"/>
+                              </a:rPr>
+                            </m:ctrlPr>
+                          </m:sSupPr>
+                          <m:e>
+                            <m:r>
+                              <a:rPr lang="en-US" b="0" i="1" smtClean="0">
+                                <a:latin typeface="Cambria Math" panose="02040503050406030204" pitchFamily="18" charset="0"/>
+                              </a:rPr>
+                              <m:t>𝑁</m:t>
+                            </m:r>
+                          </m:e>
+                          <m:sup>
+                            <m:r>
+                              <a:rPr lang="en-US" b="0" i="1" smtClean="0">
+                                <a:latin typeface="Cambria Math" panose="02040503050406030204" pitchFamily="18" charset="0"/>
+                              </a:rPr>
+                              <m:t>2</m:t>
+                            </m:r>
+                          </m:sup>
+                        </m:sSup>
+                      </m:e>
+                    </m:d>
+                  </m:oMath>
+                </a14:m>
+                <a:r>
+                  <a:rPr lang="en-GB" dirty="0"/>
+                  <a:t>)</a:t>
+                </a:r>
+              </a:p>
+              <a:p>
+                <a:r>
+                  <a:rPr lang="en-GB" dirty="0"/>
+                  <a:t>Divide the space in two domains along a straight boundary parallel with cell boundaries. </a:t>
+                </a:r>
+              </a:p>
+              <a:p>
+                <a:r>
+                  <a:rPr lang="en-GB" dirty="0"/>
+                  <a:t>think about the consequences of having the domain boundary in the middle of the cells vs coinciding with the cell boundary.</a:t>
+                </a:r>
+              </a:p>
+              <a:p>
+                <a:r>
+                  <a:rPr lang="en-GB" dirty="0"/>
+                  <a:t>decide what to communicate and how</a:t>
+                </a:r>
+              </a:p>
+              <a:p>
+                <a:r>
+                  <a:rPr lang="en-GB" dirty="0"/>
+                  <a:t>try to overlap computation and communication</a:t>
+                </a:r>
+              </a:p>
+              <a:p>
+                <a:r>
+                  <a:rPr lang="en-GB" dirty="0"/>
+                  <a:t>Once you understand the machinery, you can proceed further</a:t>
+                </a:r>
+              </a:p>
+              <a:p>
+                <a:pPr lvl="1"/>
+                <a:r>
+                  <a:rPr lang="en-GB" dirty="0"/>
+                  <a:t>you should get a 2 domain case working</a:t>
+                </a:r>
+              </a:p>
+              <a:p>
+                <a:pPr lvl="1"/>
+                <a:r>
+                  <a:rPr lang="en-GB" dirty="0"/>
+                  <a:t>draw up a plan on how to go beyond 2 domains</a:t>
+                </a:r>
+              </a:p>
+            </p:txBody>
+          </p:sp>
+        </mc:Choice>
+        <mc:Fallback>
+          <p:sp>
+            <p:nvSpPr>
+              <p:cNvPr id="4" name="Text Placeholder 3">
+                <a:extLst>
+                  <a:ext uri="{FF2B5EF4-FFF2-40B4-BE49-F238E27FC236}">
+                    <a16:creationId xmlns:a16="http://schemas.microsoft.com/office/drawing/2014/main" id="{5D431B7C-10E7-554F-AE26-5A24CBC5B803}"/>
+                  </a:ext>
+                </a:extLst>
+              </p:cNvPr>
+              <p:cNvSpPr>
+                <a:spLocks noGrp="1" noRot="1" noChangeAspect="1" noMove="1" noResize="1" noEditPoints="1" noAdjustHandles="1" noChangeArrowheads="1" noChangeShapeType="1" noTextEdit="1"/>
+              </p:cNvSpPr>
+              <p:nvPr>
+                <p:ph type="body" sz="quarter" idx="11"/>
+              </p:nvPr>
+            </p:nvSpPr>
+            <p:spPr>
+              <a:blipFill>
+                <a:blip r:embed="rId2"/>
+                <a:stretch>
+                  <a:fillRect l="-1273" t="-3485" r="-116" b="-1340"/>
+                </a:stretch>
+              </a:blipFill>
+            </p:spPr>
+            <p:txBody>
+              <a:bodyPr/>
+              <a:lstStyle/>
+              <a:p>
+                <a:r>
+                  <a:rPr lang="en-GB">
+                    <a:noFill/>
+                  </a:rPr>
+                  <a:t> </a:t>
+                </a:r>
+              </a:p>
+            </p:txBody>
+          </p:sp>
+        </mc:Fallback>
+      </mc:AlternateContent>
     </p:spTree>
     <p:extLst>
       <p:ext uri="{BB962C8B-B14F-4D97-AF65-F5344CB8AC3E}">
@@ -10174,7 +10294,7 @@
             <a:pPr lvl="1"/>
             <a:r>
               <a:rPr lang="en-GB" dirty="0"/>
-              <a:t>both should be in a your </a:t>
+              <a:t>both should be in your </a:t>
             </a:r>
             <a:r>
               <a:rPr lang="en-GB" dirty="0" err="1"/>
@@ -10296,6 +10416,1172 @@
 </p:sld>
 </file>
 
+<file path=ppt/slides/slide20.xml><?xml version="1.0" encoding="utf-8"?>
+<p:sld xmlns:a="http://schemas.openxmlformats.org/drawingml/2006/main" xmlns:r="http://schemas.openxmlformats.org/officeDocument/2006/relationships" xmlns:p="http://schemas.openxmlformats.org/presentationml/2006/main">
+  <p:cSld>
+    <p:spTree>
+      <p:nvGrpSpPr>
+        <p:cNvPr id="1" name=""/>
+        <p:cNvGrpSpPr/>
+        <p:nvPr/>
+      </p:nvGrpSpPr>
+      <p:grpSpPr>
+        <a:xfrm>
+          <a:off x="0" y="0"/>
+          <a:ext cx="0" cy="0"/>
+          <a:chOff x="0" y="0"/>
+          <a:chExt cx="0" cy="0"/>
+        </a:xfrm>
+      </p:grpSpPr>
+      <p:sp>
+        <p:nvSpPr>
+          <p:cNvPr id="2" name="Title 1">
+            <a:extLst>
+              <a:ext uri="{FF2B5EF4-FFF2-40B4-BE49-F238E27FC236}">
+                <a16:creationId xmlns:a16="http://schemas.microsoft.com/office/drawing/2014/main" id="{2020320A-1874-F94E-825F-3E33AF38769F}"/>
+              </a:ext>
+            </a:extLst>
+          </p:cNvPr>
+          <p:cNvSpPr>
+            <a:spLocks noGrp="1"/>
+          </p:cNvSpPr>
+          <p:nvPr>
+            <p:ph type="title"/>
+          </p:nvPr>
+        </p:nvSpPr>
+        <p:spPr/>
+        <p:txBody>
+          <a:bodyPr/>
+          <a:lstStyle/>
+          <a:p>
+            <a:r>
+              <a:rPr lang="en-GB" dirty="0"/>
+              <a:t>Getting started</a:t>
+            </a:r>
+          </a:p>
+        </p:txBody>
+      </p:sp>
+      <p:sp>
+        <p:nvSpPr>
+          <p:cNvPr id="3" name="Text Placeholder 2">
+            <a:extLst>
+              <a:ext uri="{FF2B5EF4-FFF2-40B4-BE49-F238E27FC236}">
+                <a16:creationId xmlns:a16="http://schemas.microsoft.com/office/drawing/2014/main" id="{FE7DB2C3-F048-704A-9AE5-2D966E633ECA}"/>
+              </a:ext>
+            </a:extLst>
+          </p:cNvPr>
+          <p:cNvSpPr>
+            <a:spLocks noGrp="1"/>
+          </p:cNvSpPr>
+          <p:nvPr>
+            <p:ph type="body" sz="quarter" idx="10"/>
+          </p:nvPr>
+        </p:nvSpPr>
+        <p:spPr/>
+        <p:txBody>
+          <a:bodyPr/>
+          <a:lstStyle/>
+          <a:p>
+            <a:endParaRPr lang="en-GB"/>
+          </a:p>
+        </p:txBody>
+      </p:sp>
+    </p:spTree>
+    <p:extLst>
+      <p:ext uri="{BB962C8B-B14F-4D97-AF65-F5344CB8AC3E}">
+        <p14:creationId xmlns:p14="http://schemas.microsoft.com/office/powerpoint/2010/main" val="3849231337"/>
+      </p:ext>
+    </p:extLst>
+  </p:cSld>
+  <p:clrMapOvr>
+    <a:masterClrMapping/>
+  </p:clrMapOvr>
+</p:sld>
+</file>
+
+<file path=ppt/slides/slide21.xml><?xml version="1.0" encoding="utf-8"?>
+<p:sld xmlns:a="http://schemas.openxmlformats.org/drawingml/2006/main" xmlns:r="http://schemas.openxmlformats.org/officeDocument/2006/relationships" xmlns:p="http://schemas.openxmlformats.org/presentationml/2006/main">
+  <p:cSld>
+    <p:spTree>
+      <p:nvGrpSpPr>
+        <p:cNvPr id="1" name=""/>
+        <p:cNvGrpSpPr/>
+        <p:nvPr/>
+      </p:nvGrpSpPr>
+      <p:grpSpPr>
+        <a:xfrm>
+          <a:off x="0" y="0"/>
+          <a:ext cx="0" cy="0"/>
+          <a:chOff x="0" y="0"/>
+          <a:chExt cx="0" cy="0"/>
+        </a:xfrm>
+      </p:grpSpPr>
+      <p:sp>
+        <p:nvSpPr>
+          <p:cNvPr id="2" name="Title 1">
+            <a:extLst>
+              <a:ext uri="{FF2B5EF4-FFF2-40B4-BE49-F238E27FC236}">
+                <a16:creationId xmlns:a16="http://schemas.microsoft.com/office/drawing/2014/main" id="{5ADCA0B4-EE0A-544B-8266-54C8B3BF584C}"/>
+              </a:ext>
+            </a:extLst>
+          </p:cNvPr>
+          <p:cNvSpPr>
+            <a:spLocks noGrp="1"/>
+          </p:cNvSpPr>
+          <p:nvPr>
+            <p:ph type="title"/>
+          </p:nvPr>
+        </p:nvSpPr>
+        <p:spPr/>
+        <p:txBody>
+          <a:bodyPr/>
+          <a:lstStyle/>
+          <a:p>
+            <a:r>
+              <a:rPr lang="en-GB" dirty="0"/>
+              <a:t>Getting started</a:t>
+            </a:r>
+          </a:p>
+        </p:txBody>
+      </p:sp>
+      <p:sp>
+        <p:nvSpPr>
+          <p:cNvPr id="3" name="Slide Number Placeholder 2">
+            <a:extLst>
+              <a:ext uri="{FF2B5EF4-FFF2-40B4-BE49-F238E27FC236}">
+                <a16:creationId xmlns:a16="http://schemas.microsoft.com/office/drawing/2014/main" id="{10702D0A-1389-D14A-8370-9B388854011B}"/>
+              </a:ext>
+            </a:extLst>
+          </p:cNvPr>
+          <p:cNvSpPr>
+            <a:spLocks noGrp="1"/>
+          </p:cNvSpPr>
+          <p:nvPr>
+            <p:ph type="sldNum" sz="quarter" idx="10"/>
+          </p:nvPr>
+        </p:nvSpPr>
+        <p:spPr/>
+        <p:txBody>
+          <a:bodyPr/>
+          <a:lstStyle/>
+          <a:p>
+            <a:fld id="{E038E271-308C-2E46-A3EC-56326F9084CC}" type="slidenum">
+              <a:rPr lang="nl-BE" smtClean="0"/>
+              <a:pPr/>
+              <a:t>21</a:t>
+            </a:fld>
+            <a:endParaRPr lang="nl-BE" dirty="0"/>
+          </a:p>
+        </p:txBody>
+      </p:sp>
+      <p:sp>
+        <p:nvSpPr>
+          <p:cNvPr id="4" name="Text Placeholder 3">
+            <a:extLst>
+              <a:ext uri="{FF2B5EF4-FFF2-40B4-BE49-F238E27FC236}">
+                <a16:creationId xmlns:a16="http://schemas.microsoft.com/office/drawing/2014/main" id="{C1B92BE7-36C7-9D48-B0AD-4D1AE33E805B}"/>
+              </a:ext>
+            </a:extLst>
+          </p:cNvPr>
+          <p:cNvSpPr>
+            <a:spLocks noGrp="1"/>
+          </p:cNvSpPr>
+          <p:nvPr>
+            <p:ph type="body" sz="quarter" idx="11"/>
+          </p:nvPr>
+        </p:nvSpPr>
+        <p:spPr/>
+        <p:txBody>
+          <a:bodyPr/>
+          <a:lstStyle/>
+          <a:p>
+            <a:pPr marL="0" indent="0">
+              <a:buSzPct val="100000"/>
+              <a:buNone/>
+            </a:pPr>
+            <a:r>
+              <a:rPr lang="en-GB" b="0" dirty="0">
+                <a:solidFill>
+                  <a:schemeClr val="bg1">
+                    <a:lumMod val="50000"/>
+                  </a:schemeClr>
+                </a:solidFill>
+                <a:latin typeface="Courier" pitchFamily="2" charset="0"/>
+                <a:ea typeface="Menlo" panose="020B0609030804020204" pitchFamily="49" charset="0"/>
+                <a:cs typeface="Menlo" panose="020B0609030804020204" pitchFamily="49" charset="0"/>
+              </a:rPr>
+              <a:t># create project</a:t>
+            </a:r>
+          </a:p>
+          <a:p>
+            <a:pPr marL="0" indent="0">
+              <a:buSzPct val="100000"/>
+              <a:buNone/>
+            </a:pPr>
+            <a:r>
+              <a:rPr lang="en-GB" b="0" dirty="0">
+                <a:latin typeface="Courier" pitchFamily="2" charset="0"/>
+                <a:ea typeface="Menlo" panose="020B0609030804020204" pitchFamily="49" charset="0"/>
+                <a:cs typeface="Menlo" panose="020B0609030804020204" pitchFamily="49" charset="0"/>
+              </a:rPr>
+              <a:t>&gt; cd workspace</a:t>
+            </a:r>
+          </a:p>
+          <a:p>
+            <a:pPr marL="0" indent="0">
+              <a:buSzPct val="100000"/>
+              <a:buNone/>
+            </a:pPr>
+            <a:r>
+              <a:rPr lang="en-GB" b="0" dirty="0">
+                <a:latin typeface="Courier" pitchFamily="2" charset="0"/>
+                <a:ea typeface="Menlo" panose="020B0609030804020204" pitchFamily="49" charset="0"/>
+                <a:cs typeface="Menlo" panose="020B0609030804020204" pitchFamily="49" charset="0"/>
+              </a:rPr>
+              <a:t>&gt; </a:t>
+            </a:r>
+            <a:r>
+              <a:rPr lang="en-GB" b="0" dirty="0" err="1">
+                <a:latin typeface="Courier" pitchFamily="2" charset="0"/>
+                <a:ea typeface="Menlo" panose="020B0609030804020204" pitchFamily="49" charset="0"/>
+                <a:cs typeface="Menlo" panose="020B0609030804020204" pitchFamily="49" charset="0"/>
+              </a:rPr>
+              <a:t>micc</a:t>
+            </a:r>
+            <a:r>
+              <a:rPr lang="en-GB" b="0" dirty="0">
+                <a:latin typeface="Courier" pitchFamily="2" charset="0"/>
+                <a:ea typeface="Menlo" panose="020B0609030804020204" pitchFamily="49" charset="0"/>
+                <a:cs typeface="Menlo" panose="020B0609030804020204" pitchFamily="49" charset="0"/>
+              </a:rPr>
+              <a:t> create </a:t>
+            </a:r>
+            <a:r>
+              <a:rPr lang="en-GB" b="0" dirty="0" err="1">
+                <a:latin typeface="Courier" pitchFamily="2" charset="0"/>
+                <a:ea typeface="Menlo" panose="020B0609030804020204" pitchFamily="49" charset="0"/>
+                <a:cs typeface="Menlo" panose="020B0609030804020204" pitchFamily="49" charset="0"/>
+              </a:rPr>
+              <a:t>LeonMD</a:t>
+            </a:r>
+            <a:r>
+              <a:rPr lang="en-GB" b="0" dirty="0">
+                <a:latin typeface="Courier" pitchFamily="2" charset="0"/>
+                <a:ea typeface="Menlo" panose="020B0609030804020204" pitchFamily="49" charset="0"/>
+                <a:cs typeface="Menlo" panose="020B0609030804020204" pitchFamily="49" charset="0"/>
+              </a:rPr>
+              <a:t> --package --remote=‘private’</a:t>
+            </a:r>
+          </a:p>
+          <a:p>
+            <a:pPr marL="0" indent="0">
+              <a:buSzPct val="100000"/>
+              <a:buNone/>
+            </a:pPr>
+            <a:r>
+              <a:rPr lang="en-GB" b="0" dirty="0">
+                <a:latin typeface="Courier" pitchFamily="2" charset="0"/>
+                <a:ea typeface="Menlo" panose="020B0609030804020204" pitchFamily="49" charset="0"/>
+                <a:cs typeface="Menlo" panose="020B0609030804020204" pitchFamily="49" charset="0"/>
+              </a:rPr>
+              <a:t>&gt; cd </a:t>
+            </a:r>
+            <a:r>
+              <a:rPr lang="en-GB" b="0" dirty="0" err="1">
+                <a:latin typeface="Courier" pitchFamily="2" charset="0"/>
+                <a:ea typeface="Menlo" panose="020B0609030804020204" pitchFamily="49" charset="0"/>
+                <a:cs typeface="Menlo" panose="020B0609030804020204" pitchFamily="49" charset="0"/>
+              </a:rPr>
+              <a:t>LeonMD</a:t>
+            </a:r>
+            <a:endParaRPr lang="en-GB" b="0" dirty="0">
+              <a:latin typeface="Courier" pitchFamily="2" charset="0"/>
+              <a:ea typeface="Menlo" panose="020B0609030804020204" pitchFamily="49" charset="0"/>
+              <a:cs typeface="Menlo" panose="020B0609030804020204" pitchFamily="49" charset="0"/>
+            </a:endParaRPr>
+          </a:p>
+          <a:p>
+            <a:pPr marL="0" indent="0">
+              <a:buSzPct val="100000"/>
+              <a:buNone/>
+            </a:pPr>
+            <a:r>
+              <a:rPr lang="en-GB" b="0" dirty="0">
+                <a:solidFill>
+                  <a:schemeClr val="bg1">
+                    <a:lumMod val="50000"/>
+                  </a:schemeClr>
+                </a:solidFill>
+                <a:latin typeface="Courier" pitchFamily="2" charset="0"/>
+                <a:ea typeface="Menlo" panose="020B0609030804020204" pitchFamily="49" charset="0"/>
+                <a:cs typeface="Menlo" panose="020B0609030804020204" pitchFamily="49" charset="0"/>
+              </a:rPr>
+              <a:t># add common tools for atom generation and plotting</a:t>
+            </a:r>
+          </a:p>
+          <a:p>
+            <a:pPr marL="0" indent="0">
+              <a:buSzPct val="100000"/>
+              <a:buNone/>
+            </a:pPr>
+            <a:r>
+              <a:rPr lang="en-GB" b="0" dirty="0">
+                <a:latin typeface="Courier" pitchFamily="2" charset="0"/>
+                <a:ea typeface="Menlo" panose="020B0609030804020204" pitchFamily="49" charset="0"/>
+                <a:cs typeface="Menlo" panose="020B0609030804020204" pitchFamily="49" charset="0"/>
+              </a:rPr>
+              <a:t>&gt; poetry add </a:t>
+            </a:r>
+            <a:r>
+              <a:rPr lang="en-GB" b="0" dirty="0" err="1">
+                <a:latin typeface="Courier" pitchFamily="2" charset="0"/>
+                <a:ea typeface="Menlo" panose="020B0609030804020204" pitchFamily="49" charset="0"/>
+                <a:cs typeface="Menlo" panose="020B0609030804020204" pitchFamily="49" charset="0"/>
+              </a:rPr>
+              <a:t>et_ppMDcommon</a:t>
+            </a:r>
+            <a:endParaRPr lang="en-GB" b="0" dirty="0">
+              <a:latin typeface="Courier" pitchFamily="2" charset="0"/>
+              <a:ea typeface="Menlo" panose="020B0609030804020204" pitchFamily="49" charset="0"/>
+              <a:cs typeface="Menlo" panose="020B0609030804020204" pitchFamily="49" charset="0"/>
+            </a:endParaRPr>
+          </a:p>
+          <a:p>
+            <a:pPr marL="0" indent="0">
+              <a:buSzPct val="100000"/>
+              <a:buNone/>
+            </a:pPr>
+            <a:r>
+              <a:rPr lang="en-GB" b="0" dirty="0">
+                <a:latin typeface="Courier" pitchFamily="2" charset="0"/>
+                <a:ea typeface="Menlo" panose="020B0609030804020204" pitchFamily="49" charset="0"/>
+                <a:cs typeface="Menlo" panose="020B0609030804020204" pitchFamily="49" charset="0"/>
+              </a:rPr>
+              <a:t>&gt; source .</a:t>
+            </a:r>
+            <a:r>
+              <a:rPr lang="en-GB" b="0" dirty="0" err="1">
+                <a:latin typeface="Courier" pitchFamily="2" charset="0"/>
+                <a:ea typeface="Menlo" panose="020B0609030804020204" pitchFamily="49" charset="0"/>
+                <a:cs typeface="Menlo" panose="020B0609030804020204" pitchFamily="49" charset="0"/>
+              </a:rPr>
+              <a:t>venv</a:t>
+            </a:r>
+            <a:r>
+              <a:rPr lang="en-GB" b="0" dirty="0">
+                <a:latin typeface="Courier" pitchFamily="2" charset="0"/>
+                <a:ea typeface="Menlo" panose="020B0609030804020204" pitchFamily="49" charset="0"/>
+                <a:cs typeface="Menlo" panose="020B0609030804020204" pitchFamily="49" charset="0"/>
+              </a:rPr>
+              <a:t>/bin/activate</a:t>
+            </a:r>
+          </a:p>
+          <a:p>
+            <a:pPr marL="0" indent="0">
+              <a:buSzPct val="100000"/>
+              <a:buNone/>
+            </a:pPr>
+            <a:r>
+              <a:rPr lang="en-GB" b="0" dirty="0">
+                <a:latin typeface="Courier" pitchFamily="2" charset="0"/>
+                <a:ea typeface="Menlo" panose="020B0609030804020204" pitchFamily="49" charset="0"/>
+                <a:cs typeface="Menlo" panose="020B0609030804020204" pitchFamily="49" charset="0"/>
+              </a:rPr>
+              <a:t>(.</a:t>
+            </a:r>
+            <a:r>
+              <a:rPr lang="en-GB" b="0" dirty="0" err="1">
+                <a:latin typeface="Courier" pitchFamily="2" charset="0"/>
+                <a:ea typeface="Menlo" panose="020B0609030804020204" pitchFamily="49" charset="0"/>
+                <a:cs typeface="Menlo" panose="020B0609030804020204" pitchFamily="49" charset="0"/>
+              </a:rPr>
+              <a:t>venv</a:t>
+            </a:r>
+            <a:r>
+              <a:rPr lang="en-GB" b="0" dirty="0">
+                <a:latin typeface="Courier" pitchFamily="2" charset="0"/>
+                <a:ea typeface="Menlo" panose="020B0609030804020204" pitchFamily="49" charset="0"/>
+                <a:cs typeface="Menlo" panose="020B0609030804020204" pitchFamily="49" charset="0"/>
+              </a:rPr>
+              <a:t>)&gt;</a:t>
+            </a:r>
+          </a:p>
+        </p:txBody>
+      </p:sp>
+    </p:spTree>
+    <p:extLst>
+      <p:ext uri="{BB962C8B-B14F-4D97-AF65-F5344CB8AC3E}">
+        <p14:creationId xmlns:p14="http://schemas.microsoft.com/office/powerpoint/2010/main" val="1583056602"/>
+      </p:ext>
+    </p:extLst>
+  </p:cSld>
+  <p:clrMapOvr>
+    <a:masterClrMapping/>
+  </p:clrMapOvr>
+</p:sld>
+</file>
+
+<file path=ppt/slides/slide22.xml><?xml version="1.0" encoding="utf-8"?>
+<p:sld xmlns:a="http://schemas.openxmlformats.org/drawingml/2006/main" xmlns:r="http://schemas.openxmlformats.org/officeDocument/2006/relationships" xmlns:p="http://schemas.openxmlformats.org/presentationml/2006/main">
+  <p:cSld>
+    <p:spTree>
+      <p:nvGrpSpPr>
+        <p:cNvPr id="1" name=""/>
+        <p:cNvGrpSpPr/>
+        <p:nvPr/>
+      </p:nvGrpSpPr>
+      <p:grpSpPr>
+        <a:xfrm>
+          <a:off x="0" y="0"/>
+          <a:ext cx="0" cy="0"/>
+          <a:chOff x="0" y="0"/>
+          <a:chExt cx="0" cy="0"/>
+        </a:xfrm>
+      </p:grpSpPr>
+      <p:sp>
+        <p:nvSpPr>
+          <p:cNvPr id="2" name="Title 1">
+            <a:extLst>
+              <a:ext uri="{FF2B5EF4-FFF2-40B4-BE49-F238E27FC236}">
+                <a16:creationId xmlns:a16="http://schemas.microsoft.com/office/drawing/2014/main" id="{E7D5BBD0-472F-724B-8C0E-68797E792F3B}"/>
+              </a:ext>
+            </a:extLst>
+          </p:cNvPr>
+          <p:cNvSpPr>
+            <a:spLocks noGrp="1"/>
+          </p:cNvSpPr>
+          <p:nvPr>
+            <p:ph type="title"/>
+          </p:nvPr>
+        </p:nvSpPr>
+        <p:spPr/>
+        <p:txBody>
+          <a:bodyPr>
+            <a:normAutofit fontScale="90000"/>
+          </a:bodyPr>
+          <a:lstStyle/>
+          <a:p>
+            <a:r>
+              <a:rPr lang="en-GB" dirty="0"/>
+              <a:t>Getting started</a:t>
+            </a:r>
+            <a:br>
+              <a:rPr lang="en-GB" dirty="0"/>
+            </a:br>
+            <a:endParaRPr lang="en-GB" dirty="0"/>
+          </a:p>
+        </p:txBody>
+      </p:sp>
+      <p:sp>
+        <p:nvSpPr>
+          <p:cNvPr id="3" name="Slide Number Placeholder 2">
+            <a:extLst>
+              <a:ext uri="{FF2B5EF4-FFF2-40B4-BE49-F238E27FC236}">
+                <a16:creationId xmlns:a16="http://schemas.microsoft.com/office/drawing/2014/main" id="{9DB3374B-DBB0-D14C-A547-DCF39A7AB912}"/>
+              </a:ext>
+            </a:extLst>
+          </p:cNvPr>
+          <p:cNvSpPr>
+            <a:spLocks noGrp="1"/>
+          </p:cNvSpPr>
+          <p:nvPr>
+            <p:ph type="sldNum" sz="quarter" idx="10"/>
+          </p:nvPr>
+        </p:nvSpPr>
+        <p:spPr/>
+        <p:txBody>
+          <a:bodyPr/>
+          <a:lstStyle/>
+          <a:p>
+            <a:fld id="{E038E271-308C-2E46-A3EC-56326F9084CC}" type="slidenum">
+              <a:rPr lang="nl-BE" smtClean="0"/>
+              <a:pPr/>
+              <a:t>22</a:t>
+            </a:fld>
+            <a:endParaRPr lang="nl-BE" dirty="0"/>
+          </a:p>
+        </p:txBody>
+      </p:sp>
+      <p:sp>
+        <p:nvSpPr>
+          <p:cNvPr id="4" name="Text Placeholder 3">
+            <a:extLst>
+              <a:ext uri="{FF2B5EF4-FFF2-40B4-BE49-F238E27FC236}">
+                <a16:creationId xmlns:a16="http://schemas.microsoft.com/office/drawing/2014/main" id="{6B9B443B-BB5D-4346-9588-383B6A392457}"/>
+              </a:ext>
+            </a:extLst>
+          </p:cNvPr>
+          <p:cNvSpPr>
+            <a:spLocks noGrp="1"/>
+          </p:cNvSpPr>
+          <p:nvPr>
+            <p:ph type="body" sz="quarter" idx="11"/>
+          </p:nvPr>
+        </p:nvSpPr>
+        <p:spPr/>
+        <p:txBody>
+          <a:bodyPr>
+            <a:normAutofit/>
+          </a:bodyPr>
+          <a:lstStyle/>
+          <a:p>
+            <a:pPr marL="0" indent="0">
+              <a:buNone/>
+            </a:pPr>
+            <a:r>
+              <a:rPr lang="en-GB" sz="2000" b="0" dirty="0">
+                <a:latin typeface="Courier" pitchFamily="2" charset="0"/>
+              </a:rPr>
+              <a:t>import </a:t>
+            </a:r>
+            <a:r>
+              <a:rPr lang="en-GB" sz="2000" b="0" dirty="0" err="1">
+                <a:latin typeface="Courier" pitchFamily="2" charset="0"/>
+              </a:rPr>
+              <a:t>numpy</a:t>
+            </a:r>
+            <a:r>
+              <a:rPr lang="en-GB" sz="2000" b="0" dirty="0">
+                <a:latin typeface="Courier" pitchFamily="2" charset="0"/>
+              </a:rPr>
+              <a:t> as np</a:t>
+            </a:r>
+          </a:p>
+          <a:p>
+            <a:pPr marL="0" indent="0">
+              <a:buNone/>
+            </a:pPr>
+            <a:r>
+              <a:rPr lang="en-GB" sz="2000" b="0" dirty="0">
+                <a:latin typeface="Courier" pitchFamily="2" charset="0"/>
+              </a:rPr>
+              <a:t>import </a:t>
+            </a:r>
+            <a:r>
+              <a:rPr lang="en-GB" sz="2000" b="0" dirty="0" err="1">
+                <a:latin typeface="Courier" pitchFamily="2" charset="0"/>
+              </a:rPr>
+              <a:t>et_ppmdcommon</a:t>
+            </a:r>
+            <a:r>
+              <a:rPr lang="en-GB" sz="2000" b="0" dirty="0">
+                <a:latin typeface="Courier" pitchFamily="2" charset="0"/>
+              </a:rPr>
+              <a:t> as </a:t>
+            </a:r>
+            <a:r>
+              <a:rPr lang="en-GB" sz="2000" b="0" dirty="0" err="1">
+                <a:latin typeface="Courier" pitchFamily="2" charset="0"/>
+              </a:rPr>
+              <a:t>cmn</a:t>
+            </a:r>
+            <a:endParaRPr lang="en-GB" sz="2000" b="0" dirty="0">
+              <a:latin typeface="Courier" pitchFamily="2" charset="0"/>
+            </a:endParaRPr>
+          </a:p>
+          <a:p>
+            <a:pPr marL="0" indent="0">
+              <a:buNone/>
+            </a:pPr>
+            <a:endParaRPr lang="en-GB" sz="2000" b="0" dirty="0">
+              <a:latin typeface="Courier" pitchFamily="2" charset="0"/>
+            </a:endParaRPr>
+          </a:p>
+          <a:p>
+            <a:pPr marL="0" indent="0">
+              <a:buNone/>
+            </a:pPr>
+            <a:r>
+              <a:rPr lang="en-GB" sz="2000" b="0" dirty="0">
+                <a:latin typeface="Courier" pitchFamily="2" charset="0"/>
+              </a:rPr>
+              <a:t># make box containing 3x3 rectangular unit cells</a:t>
+            </a:r>
+          </a:p>
+          <a:p>
+            <a:pPr marL="0" indent="0">
+              <a:buNone/>
+            </a:pPr>
+            <a:r>
+              <a:rPr lang="en-GB" sz="2000" b="0" dirty="0">
+                <a:latin typeface="Courier" pitchFamily="2" charset="0"/>
+              </a:rPr>
+              <a:t>box = </a:t>
+            </a:r>
+            <a:r>
+              <a:rPr lang="en-GB" sz="2000" b="0" dirty="0" err="1">
+                <a:latin typeface="Courier" pitchFamily="2" charset="0"/>
+              </a:rPr>
+              <a:t>cmn.Box</a:t>
+            </a:r>
+            <a:r>
+              <a:rPr lang="en-GB" sz="2000" b="0" dirty="0">
+                <a:latin typeface="Courier" pitchFamily="2" charset="0"/>
+              </a:rPr>
+              <a:t>(0, 0, 3, 3*</a:t>
+            </a:r>
+            <a:r>
+              <a:rPr lang="en-GB" sz="2000" b="0" dirty="0" err="1">
+                <a:latin typeface="Courier" pitchFamily="2" charset="0"/>
+              </a:rPr>
+              <a:t>np.sqrt</a:t>
+            </a:r>
+            <a:r>
+              <a:rPr lang="en-GB" sz="2000" b="0" dirty="0">
+                <a:latin typeface="Courier" pitchFamily="2" charset="0"/>
+              </a:rPr>
+              <a:t>(3))</a:t>
+            </a:r>
+          </a:p>
+          <a:p>
+            <a:pPr marL="0" indent="0">
+              <a:buNone/>
+            </a:pPr>
+            <a:r>
+              <a:rPr lang="en-GB" sz="2000" b="0" dirty="0" err="1">
+                <a:latin typeface="Courier" pitchFamily="2" charset="0"/>
+              </a:rPr>
+              <a:t>x,y</a:t>
+            </a:r>
+            <a:r>
+              <a:rPr lang="en-GB" sz="2000" b="0" dirty="0">
+                <a:latin typeface="Courier" pitchFamily="2" charset="0"/>
+              </a:rPr>
+              <a:t> = </a:t>
+            </a:r>
+            <a:r>
+              <a:rPr lang="en-GB" sz="2000" b="0" dirty="0" err="1">
+                <a:latin typeface="Courier" pitchFamily="2" charset="0"/>
+              </a:rPr>
+              <a:t>cmn.generateAtoms</a:t>
+            </a:r>
+            <a:r>
+              <a:rPr lang="en-GB" sz="2000" b="0" dirty="0">
+                <a:latin typeface="Courier" pitchFamily="2" charset="0"/>
+              </a:rPr>
+              <a:t>(box, r=1.0)</a:t>
+            </a:r>
+          </a:p>
+          <a:p>
+            <a:pPr marL="0" indent="0">
+              <a:buNone/>
+            </a:pPr>
+            <a:r>
+              <a:rPr lang="en-GB" sz="2000" b="0" dirty="0" err="1">
+                <a:latin typeface="Courier" pitchFamily="2" charset="0"/>
+              </a:rPr>
+              <a:t>md.figure</a:t>
+            </a:r>
+            <a:r>
+              <a:rPr lang="en-GB" sz="2000" b="0" dirty="0">
+                <a:latin typeface="Courier" pitchFamily="2" charset="0"/>
+              </a:rPr>
+              <a:t>()</a:t>
+            </a:r>
+            <a:br>
+              <a:rPr lang="en-GB" sz="2000" b="0" dirty="0">
+                <a:latin typeface="Courier" pitchFamily="2" charset="0"/>
+              </a:rPr>
+            </a:br>
+            <a:r>
+              <a:rPr lang="en-GB" sz="2000" b="0" dirty="0" err="1">
+                <a:latin typeface="Courier" pitchFamily="2" charset="0"/>
+              </a:rPr>
+              <a:t>md.plotAtoms</a:t>
+            </a:r>
+            <a:r>
+              <a:rPr lang="en-GB" sz="2000" b="0" dirty="0">
+                <a:latin typeface="Courier" pitchFamily="2" charset="0"/>
+              </a:rPr>
+              <a:t>(x, y)          </a:t>
+            </a:r>
+            <a:r>
+              <a:rPr lang="en-GB" sz="2000" b="0" i="1" dirty="0">
+                <a:latin typeface="Courier" pitchFamily="2" charset="0"/>
+              </a:rPr>
+              <a:t># dots</a:t>
+            </a:r>
+            <a:br>
+              <a:rPr lang="en-GB" sz="2000" b="0" i="1" dirty="0">
+                <a:latin typeface="Courier" pitchFamily="2" charset="0"/>
+              </a:rPr>
+            </a:br>
+            <a:r>
+              <a:rPr lang="en-GB" sz="2000" b="0" dirty="0" err="1">
+                <a:latin typeface="Courier" pitchFamily="2" charset="0"/>
+              </a:rPr>
+              <a:t>md.plotAtoms</a:t>
+            </a:r>
+            <a:r>
+              <a:rPr lang="en-GB" sz="2000" b="0" dirty="0">
+                <a:latin typeface="Courier" pitchFamily="2" charset="0"/>
+              </a:rPr>
+              <a:t>(x, y, r=r0/2)  </a:t>
+            </a:r>
+            <a:r>
+              <a:rPr lang="en-GB" sz="2000" b="0" i="1" dirty="0">
+                <a:latin typeface="Courier" pitchFamily="2" charset="0"/>
+              </a:rPr>
+              <a:t># circles with atom radius</a:t>
+            </a:r>
+            <a:br>
+              <a:rPr lang="en-GB" sz="2000" b="0" i="1" dirty="0">
+                <a:latin typeface="Courier" pitchFamily="2" charset="0"/>
+              </a:rPr>
+            </a:br>
+            <a:r>
+              <a:rPr lang="en-GB" sz="2000" b="0" dirty="0" err="1">
+                <a:latin typeface="Courier" pitchFamily="2" charset="0"/>
+              </a:rPr>
+              <a:t>md.plotBox</a:t>
+            </a:r>
+            <a:r>
+              <a:rPr lang="en-GB" sz="2000" b="0" dirty="0">
+                <a:latin typeface="Courier" pitchFamily="2" charset="0"/>
+              </a:rPr>
+              <a:t>(box)             </a:t>
+            </a:r>
+            <a:r>
+              <a:rPr lang="en-GB" sz="2000" b="0" i="1" dirty="0">
+                <a:latin typeface="Courier" pitchFamily="2" charset="0"/>
+              </a:rPr>
+              <a:t># containing box</a:t>
+            </a:r>
+            <a:br>
+              <a:rPr lang="en-GB" sz="2000" b="0" i="1" dirty="0">
+                <a:latin typeface="Courier" pitchFamily="2" charset="0"/>
+              </a:rPr>
+            </a:br>
+            <a:r>
+              <a:rPr lang="en-GB" sz="2000" b="0" dirty="0" err="1">
+                <a:latin typeface="Courier" pitchFamily="2" charset="0"/>
+              </a:rPr>
+              <a:t>md.plt.show</a:t>
+            </a:r>
+            <a:r>
+              <a:rPr lang="en-GB" sz="2000" b="0" dirty="0">
+                <a:latin typeface="Courier" pitchFamily="2" charset="0"/>
+              </a:rPr>
+              <a:t>()</a:t>
+            </a:r>
+            <a:br>
+              <a:rPr lang="en-GB" sz="2000" b="0" dirty="0">
+                <a:latin typeface="Courier" pitchFamily="2" charset="0"/>
+              </a:rPr>
+            </a:br>
+            <a:endParaRPr lang="en-GB" sz="2000" b="0" dirty="0">
+              <a:latin typeface="Courier" pitchFamily="2" charset="0"/>
+            </a:endParaRPr>
+          </a:p>
+        </p:txBody>
+      </p:sp>
+      <p:pic>
+        <p:nvPicPr>
+          <p:cNvPr id="6" name="Picture 5" descr="Diagram&#10;&#10;Description automatically generated">
+            <a:extLst>
+              <a:ext uri="{FF2B5EF4-FFF2-40B4-BE49-F238E27FC236}">
+                <a16:creationId xmlns:a16="http://schemas.microsoft.com/office/drawing/2014/main" id="{E95229BF-6DA8-8A49-B081-CBC8F5CADE57}"/>
+              </a:ext>
+            </a:extLst>
+          </p:cNvPr>
+          <p:cNvPicPr>
+            <a:picLocks noChangeAspect="1"/>
+          </p:cNvPicPr>
+          <p:nvPr/>
+        </p:nvPicPr>
+        <p:blipFill rotWithShape="1">
+          <a:blip r:embed="rId2"/>
+          <a:srcRect l="25202" r="21949"/>
+          <a:stretch/>
+        </p:blipFill>
+        <p:spPr>
+          <a:xfrm>
+            <a:off x="8923493" y="1957973"/>
+            <a:ext cx="3087233" cy="4381200"/>
+          </a:xfrm>
+          <a:prstGeom prst="rect">
+            <a:avLst/>
+          </a:prstGeom>
+        </p:spPr>
+      </p:pic>
+    </p:spTree>
+    <p:extLst>
+      <p:ext uri="{BB962C8B-B14F-4D97-AF65-F5344CB8AC3E}">
+        <p14:creationId xmlns:p14="http://schemas.microsoft.com/office/powerpoint/2010/main" val="3670685117"/>
+      </p:ext>
+    </p:extLst>
+  </p:cSld>
+  <p:clrMapOvr>
+    <a:masterClrMapping/>
+  </p:clrMapOvr>
+</p:sld>
+</file>
+
+<file path=ppt/slides/slide23.xml><?xml version="1.0" encoding="utf-8"?>
+<p:sld xmlns:a="http://schemas.openxmlformats.org/drawingml/2006/main" xmlns:r="http://schemas.openxmlformats.org/officeDocument/2006/relationships" xmlns:p="http://schemas.openxmlformats.org/presentationml/2006/main">
+  <p:cSld>
+    <p:spTree>
+      <p:nvGrpSpPr>
+        <p:cNvPr id="1" name=""/>
+        <p:cNvGrpSpPr/>
+        <p:nvPr/>
+      </p:nvGrpSpPr>
+      <p:grpSpPr>
+        <a:xfrm>
+          <a:off x="0" y="0"/>
+          <a:ext cx="0" cy="0"/>
+          <a:chOff x="0" y="0"/>
+          <a:chExt cx="0" cy="0"/>
+        </a:xfrm>
+      </p:grpSpPr>
+      <p:sp>
+        <p:nvSpPr>
+          <p:cNvPr id="2" name="Title 1">
+            <a:extLst>
+              <a:ext uri="{FF2B5EF4-FFF2-40B4-BE49-F238E27FC236}">
+                <a16:creationId xmlns:a16="http://schemas.microsoft.com/office/drawing/2014/main" id="{E7D5BBD0-472F-724B-8C0E-68797E792F3B}"/>
+              </a:ext>
+            </a:extLst>
+          </p:cNvPr>
+          <p:cNvSpPr>
+            <a:spLocks noGrp="1"/>
+          </p:cNvSpPr>
+          <p:nvPr>
+            <p:ph type="title"/>
+          </p:nvPr>
+        </p:nvSpPr>
+        <p:spPr/>
+        <p:txBody>
+          <a:bodyPr>
+            <a:normAutofit fontScale="90000"/>
+          </a:bodyPr>
+          <a:lstStyle/>
+          <a:p>
+            <a:r>
+              <a:rPr lang="en-GB" dirty="0"/>
+              <a:t>Getting started</a:t>
+            </a:r>
+            <a:br>
+              <a:rPr lang="en-GB" dirty="0"/>
+            </a:br>
+            <a:endParaRPr lang="en-GB" dirty="0"/>
+          </a:p>
+        </p:txBody>
+      </p:sp>
+      <p:sp>
+        <p:nvSpPr>
+          <p:cNvPr id="3" name="Slide Number Placeholder 2">
+            <a:extLst>
+              <a:ext uri="{FF2B5EF4-FFF2-40B4-BE49-F238E27FC236}">
+                <a16:creationId xmlns:a16="http://schemas.microsoft.com/office/drawing/2014/main" id="{9DB3374B-DBB0-D14C-A547-DCF39A7AB912}"/>
+              </a:ext>
+            </a:extLst>
+          </p:cNvPr>
+          <p:cNvSpPr>
+            <a:spLocks noGrp="1"/>
+          </p:cNvSpPr>
+          <p:nvPr>
+            <p:ph type="sldNum" sz="quarter" idx="10"/>
+          </p:nvPr>
+        </p:nvSpPr>
+        <p:spPr/>
+        <p:txBody>
+          <a:bodyPr/>
+          <a:lstStyle/>
+          <a:p>
+            <a:fld id="{E038E271-308C-2E46-A3EC-56326F9084CC}" type="slidenum">
+              <a:rPr lang="nl-BE" smtClean="0"/>
+              <a:pPr/>
+              <a:t>23</a:t>
+            </a:fld>
+            <a:endParaRPr lang="nl-BE" dirty="0"/>
+          </a:p>
+        </p:txBody>
+      </p:sp>
+      <p:sp>
+        <p:nvSpPr>
+          <p:cNvPr id="4" name="Text Placeholder 3">
+            <a:extLst>
+              <a:ext uri="{FF2B5EF4-FFF2-40B4-BE49-F238E27FC236}">
+                <a16:creationId xmlns:a16="http://schemas.microsoft.com/office/drawing/2014/main" id="{6B9B443B-BB5D-4346-9588-383B6A392457}"/>
+              </a:ext>
+            </a:extLst>
+          </p:cNvPr>
+          <p:cNvSpPr>
+            <a:spLocks noGrp="1"/>
+          </p:cNvSpPr>
+          <p:nvPr>
+            <p:ph type="body" sz="quarter" idx="11"/>
+          </p:nvPr>
+        </p:nvSpPr>
+        <p:spPr/>
+        <p:txBody>
+          <a:bodyPr>
+            <a:normAutofit/>
+          </a:bodyPr>
+          <a:lstStyle/>
+          <a:p>
+            <a:pPr marL="0" indent="0">
+              <a:buNone/>
+            </a:pPr>
+            <a:r>
+              <a:rPr lang="en-GB" sz="2000" b="0" dirty="0">
+                <a:latin typeface="Courier" pitchFamily="2" charset="0"/>
+              </a:rPr>
+              <a:t>import </a:t>
+            </a:r>
+            <a:r>
+              <a:rPr lang="en-GB" sz="2000" b="0" dirty="0" err="1">
+                <a:latin typeface="Courier" pitchFamily="2" charset="0"/>
+              </a:rPr>
+              <a:t>numpy</a:t>
+            </a:r>
+            <a:r>
+              <a:rPr lang="en-GB" sz="2000" b="0" dirty="0">
+                <a:latin typeface="Courier" pitchFamily="2" charset="0"/>
+              </a:rPr>
+              <a:t> as np</a:t>
+            </a:r>
+          </a:p>
+          <a:p>
+            <a:pPr marL="0" indent="0">
+              <a:buNone/>
+            </a:pPr>
+            <a:r>
+              <a:rPr lang="en-GB" sz="2000" b="0" dirty="0">
+                <a:latin typeface="Courier" pitchFamily="2" charset="0"/>
+              </a:rPr>
+              <a:t>import </a:t>
+            </a:r>
+            <a:r>
+              <a:rPr lang="en-GB" sz="2000" b="0" dirty="0" err="1">
+                <a:latin typeface="Courier" pitchFamily="2" charset="0"/>
+              </a:rPr>
+              <a:t>et_ppmdcommon</a:t>
+            </a:r>
+            <a:r>
+              <a:rPr lang="en-GB" sz="2000" b="0" dirty="0">
+                <a:latin typeface="Courier" pitchFamily="2" charset="0"/>
+              </a:rPr>
+              <a:t> as </a:t>
+            </a:r>
+            <a:r>
+              <a:rPr lang="en-GB" sz="2000" b="0" dirty="0" err="1">
+                <a:latin typeface="Courier" pitchFamily="2" charset="0"/>
+              </a:rPr>
+              <a:t>cmn</a:t>
+            </a:r>
+            <a:endParaRPr lang="en-GB" sz="2000" b="0" dirty="0">
+              <a:latin typeface="Courier" pitchFamily="2" charset="0"/>
+            </a:endParaRPr>
+          </a:p>
+          <a:p>
+            <a:pPr marL="0" indent="0">
+              <a:buNone/>
+            </a:pPr>
+            <a:endParaRPr lang="en-GB" sz="2000" b="0" dirty="0">
+              <a:latin typeface="Courier" pitchFamily="2" charset="0"/>
+            </a:endParaRPr>
+          </a:p>
+          <a:p>
+            <a:pPr marL="0" indent="0">
+              <a:buNone/>
+            </a:pPr>
+            <a:r>
+              <a:rPr lang="en-GB" sz="2000" b="0" dirty="0" err="1">
+                <a:latin typeface="Courier" pitchFamily="2" charset="0"/>
+              </a:rPr>
+              <a:t>x,y</a:t>
+            </a:r>
+            <a:r>
+              <a:rPr lang="en-GB" sz="2000" b="0" dirty="0">
+                <a:latin typeface="Courier" pitchFamily="2" charset="0"/>
+              </a:rPr>
+              <a:t> = </a:t>
+            </a:r>
+            <a:r>
+              <a:rPr lang="en-GB" sz="2000" b="0" dirty="0" err="1">
+                <a:latin typeface="Courier" pitchFamily="2" charset="0"/>
+              </a:rPr>
+              <a:t>cmn.generateAtoms</a:t>
+            </a:r>
+            <a:r>
+              <a:rPr lang="en-GB" sz="2000" b="0" dirty="0">
+                <a:latin typeface="Courier" pitchFamily="2" charset="0"/>
+              </a:rPr>
+              <a:t>(box, r=1.0, </a:t>
+            </a:r>
+            <a:r>
+              <a:rPr lang="en-GB" sz="2000" dirty="0">
+                <a:solidFill>
+                  <a:srgbClr val="C00000"/>
+                </a:solidFill>
+                <a:latin typeface="Courier" pitchFamily="2" charset="0"/>
+              </a:rPr>
+              <a:t>noise=.1</a:t>
+            </a:r>
+            <a:r>
+              <a:rPr lang="en-GB" sz="2000" b="0" dirty="0">
+                <a:latin typeface="Courier" pitchFamily="2" charset="0"/>
+              </a:rPr>
+              <a:t>)</a:t>
+            </a:r>
+          </a:p>
+          <a:p>
+            <a:pPr marL="0" indent="0">
+              <a:buNone/>
+            </a:pPr>
+            <a:r>
+              <a:rPr lang="en-GB" sz="2000" b="0" dirty="0" err="1">
+                <a:latin typeface="Courier" pitchFamily="2" charset="0"/>
+              </a:rPr>
+              <a:t>md.figure</a:t>
+            </a:r>
+            <a:r>
+              <a:rPr lang="en-GB" sz="2000" b="0" dirty="0">
+                <a:latin typeface="Courier" pitchFamily="2" charset="0"/>
+              </a:rPr>
+              <a:t>()</a:t>
+            </a:r>
+            <a:br>
+              <a:rPr lang="en-GB" sz="2000" b="0" dirty="0">
+                <a:latin typeface="Courier" pitchFamily="2" charset="0"/>
+              </a:rPr>
+            </a:br>
+            <a:r>
+              <a:rPr lang="en-GB" sz="2000" b="0" dirty="0" err="1">
+                <a:latin typeface="Courier" pitchFamily="2" charset="0"/>
+              </a:rPr>
+              <a:t>md.plotAtoms</a:t>
+            </a:r>
+            <a:r>
+              <a:rPr lang="en-GB" sz="2000" b="0" dirty="0">
+                <a:latin typeface="Courier" pitchFamily="2" charset="0"/>
+              </a:rPr>
+              <a:t>(x, y)          </a:t>
+            </a:r>
+            <a:r>
+              <a:rPr lang="en-GB" sz="2000" b="0" i="1" dirty="0">
+                <a:latin typeface="Courier" pitchFamily="2" charset="0"/>
+              </a:rPr>
+              <a:t># dots</a:t>
+            </a:r>
+            <a:br>
+              <a:rPr lang="en-GB" sz="2000" b="0" i="1" dirty="0">
+                <a:latin typeface="Courier" pitchFamily="2" charset="0"/>
+              </a:rPr>
+            </a:br>
+            <a:r>
+              <a:rPr lang="en-GB" sz="2000" b="0" dirty="0" err="1">
+                <a:latin typeface="Courier" pitchFamily="2" charset="0"/>
+              </a:rPr>
+              <a:t>md.plotAtoms</a:t>
+            </a:r>
+            <a:r>
+              <a:rPr lang="en-GB" sz="2000" b="0" dirty="0">
+                <a:latin typeface="Courier" pitchFamily="2" charset="0"/>
+              </a:rPr>
+              <a:t>(x, y, r=r0/2)  </a:t>
+            </a:r>
+            <a:r>
+              <a:rPr lang="en-GB" sz="2000" b="0" i="1" dirty="0">
+                <a:latin typeface="Courier" pitchFamily="2" charset="0"/>
+              </a:rPr>
+              <a:t># circles with atom radius</a:t>
+            </a:r>
+            <a:br>
+              <a:rPr lang="en-GB" sz="2000" b="0" i="1" dirty="0">
+                <a:latin typeface="Courier" pitchFamily="2" charset="0"/>
+              </a:rPr>
+            </a:br>
+            <a:r>
+              <a:rPr lang="en-GB" sz="2000" b="0" dirty="0" err="1">
+                <a:latin typeface="Courier" pitchFamily="2" charset="0"/>
+              </a:rPr>
+              <a:t>md.plotBox</a:t>
+            </a:r>
+            <a:r>
+              <a:rPr lang="en-GB" sz="2000" b="0" dirty="0">
+                <a:latin typeface="Courier" pitchFamily="2" charset="0"/>
+              </a:rPr>
+              <a:t>(box)             </a:t>
+            </a:r>
+            <a:r>
+              <a:rPr lang="en-GB" sz="2000" b="0" i="1" dirty="0">
+                <a:latin typeface="Courier" pitchFamily="2" charset="0"/>
+              </a:rPr>
+              <a:t># containing box</a:t>
+            </a:r>
+            <a:br>
+              <a:rPr lang="en-GB" sz="2000" b="0" i="1" dirty="0">
+                <a:latin typeface="Courier" pitchFamily="2" charset="0"/>
+              </a:rPr>
+            </a:br>
+            <a:r>
+              <a:rPr lang="en-GB" sz="2000" b="0" dirty="0" err="1">
+                <a:latin typeface="Courier" pitchFamily="2" charset="0"/>
+              </a:rPr>
+              <a:t>md.plt.show</a:t>
+            </a:r>
+            <a:r>
+              <a:rPr lang="en-GB" sz="2000" b="0" dirty="0">
+                <a:latin typeface="Courier" pitchFamily="2" charset="0"/>
+              </a:rPr>
+              <a:t>()</a:t>
+            </a:r>
+            <a:br>
+              <a:rPr lang="en-GB" sz="2000" b="0" dirty="0">
+                <a:latin typeface="Courier" pitchFamily="2" charset="0"/>
+              </a:rPr>
+            </a:br>
+            <a:endParaRPr lang="en-GB" sz="2000" b="0" dirty="0">
+              <a:latin typeface="Courier" pitchFamily="2" charset="0"/>
+            </a:endParaRPr>
+          </a:p>
+        </p:txBody>
+      </p:sp>
+      <p:pic>
+        <p:nvPicPr>
+          <p:cNvPr id="7" name="Picture 6" descr="Diagram&#10;&#10;Description automatically generated">
+            <a:extLst>
+              <a:ext uri="{FF2B5EF4-FFF2-40B4-BE49-F238E27FC236}">
+                <a16:creationId xmlns:a16="http://schemas.microsoft.com/office/drawing/2014/main" id="{006989B6-6FCA-0141-866F-BCD08328F4D5}"/>
+              </a:ext>
+            </a:extLst>
+          </p:cNvPr>
+          <p:cNvPicPr>
+            <a:picLocks noChangeAspect="1"/>
+          </p:cNvPicPr>
+          <p:nvPr/>
+        </p:nvPicPr>
+        <p:blipFill rotWithShape="1">
+          <a:blip r:embed="rId2"/>
+          <a:srcRect l="24523" r="23032"/>
+          <a:stretch/>
+        </p:blipFill>
+        <p:spPr>
+          <a:xfrm>
+            <a:off x="8923493" y="1957673"/>
+            <a:ext cx="3063834" cy="4381500"/>
+          </a:xfrm>
+          <a:prstGeom prst="rect">
+            <a:avLst/>
+          </a:prstGeom>
+        </p:spPr>
+      </p:pic>
+    </p:spTree>
+    <p:extLst>
+      <p:ext uri="{BB962C8B-B14F-4D97-AF65-F5344CB8AC3E}">
+        <p14:creationId xmlns:p14="http://schemas.microsoft.com/office/powerpoint/2010/main" val="4008516198"/>
+      </p:ext>
+    </p:extLst>
+  </p:cSld>
+  <p:clrMapOvr>
+    <a:masterClrMapping/>
+  </p:clrMapOvr>
+</p:sld>
+</file>
+
 <file path=ppt/slides/slide3.xml><?xml version="1.0" encoding="utf-8"?>
 <p:sld xmlns:a="http://schemas.openxmlformats.org/drawingml/2006/main" xmlns:r="http://schemas.openxmlformats.org/officeDocument/2006/relationships" xmlns:p="http://schemas.openxmlformats.org/presentationml/2006/main">
   <p:cSld>
@@ -10371,8 +11657,8 @@
           </a:p>
         </p:txBody>
       </p:sp>
-      <mc:AlternateContent xmlns:mc="http://schemas.openxmlformats.org/markup-compatibility/2006">
-        <mc:Choice xmlns:a14="http://schemas.microsoft.com/office/drawing/2010/main" Requires="a14">
+      <mc:AlternateContent xmlns:mc="http://schemas.openxmlformats.org/markup-compatibility/2006" xmlns:a14="http://schemas.microsoft.com/office/drawing/2010/main">
+        <mc:Choice Requires="a14">
           <p:sp>
             <p:nvSpPr>
               <p:cNvPr id="4" name="Text Placeholder 3">
@@ -10715,7 +12001,7 @@
             </p:txBody>
           </p:sp>
         </mc:Choice>
-        <mc:Fallback>
+        <mc:Fallback xmlns="">
           <p:sp>
             <p:nvSpPr>
               <p:cNvPr id="4" name="Text Placeholder 3">
@@ -10984,8 +12270,8 @@
             </a:fontRef>
           </p:style>
         </p:cxnSp>
-        <mc:AlternateContent xmlns:mc="http://schemas.openxmlformats.org/markup-compatibility/2006">
-          <mc:Choice xmlns:a14="http://schemas.microsoft.com/office/drawing/2010/main" Requires="a14">
+        <mc:AlternateContent xmlns:mc="http://schemas.openxmlformats.org/markup-compatibility/2006" xmlns:a14="http://schemas.microsoft.com/office/drawing/2010/main">
+          <mc:Choice Requires="a14">
             <p:sp>
               <p:nvSpPr>
                 <p:cNvPr id="11" name="Rectangle 10">
@@ -11013,6 +12299,7 @@
                 </a:bodyPr>
                 <a:lstStyle/>
                 <a:p>
+                  <a:pPr/>
                   <a14:m>
                     <m:oMathPara xmlns:m="http://schemas.openxmlformats.org/officeDocument/2006/math">
                       <m:oMathParaPr>
@@ -11052,7 +12339,7 @@
               </p:txBody>
             </p:sp>
           </mc:Choice>
-          <mc:Fallback>
+          <mc:Fallback xmlns="">
             <p:sp>
               <p:nvSpPr>
                 <p:cNvPr id="11" name="Rectangle 10">
@@ -11194,8 +12481,8 @@
           </a:p>
         </p:txBody>
       </p:sp>
-      <mc:AlternateContent xmlns:mc="http://schemas.openxmlformats.org/markup-compatibility/2006">
-        <mc:Choice xmlns:a14="http://schemas.microsoft.com/office/drawing/2010/main" Requires="a14">
+      <mc:AlternateContent xmlns:mc="http://schemas.openxmlformats.org/markup-compatibility/2006" xmlns:a14="http://schemas.microsoft.com/office/drawing/2010/main">
+        <mc:Choice Requires="a14">
           <p:sp>
             <p:nvSpPr>
               <p:cNvPr id="4" name="Text Placeholder 3">
@@ -11601,7 +12888,7 @@
             </p:txBody>
           </p:sp>
         </mc:Choice>
-        <mc:Fallback>
+        <mc:Fallback xmlns="">
           <p:sp>
             <p:nvSpPr>
               <p:cNvPr id="4" name="Text Placeholder 3">
@@ -11729,8 +13016,8 @@
           </a:p>
         </p:txBody>
       </p:sp>
-      <mc:AlternateContent xmlns:mc="http://schemas.openxmlformats.org/markup-compatibility/2006">
-        <mc:Choice xmlns:a14="http://schemas.microsoft.com/office/drawing/2010/main" Requires="a14">
+      <mc:AlternateContent xmlns:mc="http://schemas.openxmlformats.org/markup-compatibility/2006" xmlns:a14="http://schemas.microsoft.com/office/drawing/2010/main">
+        <mc:Choice Requires="a14">
           <p:sp>
             <p:nvSpPr>
               <p:cNvPr id="4" name="Text Placeholder 3">
@@ -12617,7 +13904,7 @@
             </p:txBody>
           </p:sp>
         </mc:Choice>
-        <mc:Fallback>
+        <mc:Fallback xmlns="">
           <p:sp>
             <p:nvSpPr>
               <p:cNvPr id="4" name="Text Placeholder 3">
@@ -13194,8 +14481,8 @@
           </a:p>
         </p:txBody>
       </p:sp>
-      <mc:AlternateContent xmlns:mc="http://schemas.openxmlformats.org/markup-compatibility/2006">
-        <mc:Choice xmlns:a14="http://schemas.microsoft.com/office/drawing/2010/main" Requires="a14">
+      <mc:AlternateContent xmlns:mc="http://schemas.openxmlformats.org/markup-compatibility/2006" xmlns:a14="http://schemas.microsoft.com/office/drawing/2010/main">
+        <mc:Choice Requires="a14">
           <p:sp>
             <p:nvSpPr>
               <p:cNvPr id="4" name="Text Placeholder 3">
@@ -13215,7 +14502,7 @@
             <p:spPr/>
             <p:txBody>
               <a:bodyPr>
-                <a:normAutofit lnSpcReduction="10000"/>
+                <a:normAutofit fontScale="92500" lnSpcReduction="20000"/>
               </a:bodyPr>
               <a:lstStyle/>
               <a:p>
@@ -13265,7 +14552,7 @@
                       <m:sSub>
                         <m:sSubPr>
                           <m:ctrlPr>
-                            <a:rPr lang="en-GB" i="1" smtClean="0">
+                            <a:rPr lang="en-GB" b="0" i="1" smtClean="0">
                               <a:latin typeface="Cambria Math" panose="02040503050406030204" pitchFamily="18" charset="0"/>
                             </a:rPr>
                           </m:ctrlPr>
@@ -13275,54 +14562,54 @@
                             <m:accPr>
                               <m:chr m:val="̅"/>
                               <m:ctrlPr>
-                                <a:rPr lang="en-GB" i="1">
+                                <a:rPr lang="en-GB" b="0" i="1">
                                   <a:latin typeface="Cambria Math" panose="02040503050406030204" pitchFamily="18" charset="0"/>
                                 </a:rPr>
                               </m:ctrlPr>
                             </m:accPr>
                             <m:e>
                               <m:r>
-                                <a:rPr lang="en-US" i="1">
+                                <a:rPr lang="en-US" b="0" i="1">
                                   <a:latin typeface="Cambria Math" panose="02040503050406030204" pitchFamily="18" charset="0"/>
                                 </a:rPr>
-                                <m:t>𝑭</m:t>
+                                <m:t>𝐹</m:t>
                               </m:r>
                             </m:e>
                           </m:acc>
                         </m:e>
                         <m:sub>
                           <m:r>
-                            <a:rPr lang="en-US" b="1" i="1" smtClean="0">
+                            <a:rPr lang="en-US" b="0" i="1" smtClean="0">
                               <a:latin typeface="Cambria Math" panose="02040503050406030204" pitchFamily="18" charset="0"/>
                             </a:rPr>
-                            <m:t>𝒊𝒋</m:t>
+                            <m:t>𝑖𝑗</m:t>
                           </m:r>
                         </m:sub>
                       </m:sSub>
                       <m:r>
-                        <a:rPr lang="en-US" b="1" i="1" smtClean="0">
+                        <a:rPr lang="en-US" b="0" i="1" smtClean="0">
                           <a:latin typeface="Cambria Math" panose="02040503050406030204" pitchFamily="18" charset="0"/>
                         </a:rPr>
                         <m:t>=</m:t>
                       </m:r>
                       <m:r>
-                        <a:rPr lang="en-US" b="1" i="1" smtClean="0">
+                        <a:rPr lang="en-US" b="0" i="1" smtClean="0">
                           <a:latin typeface="Cambria Math" panose="02040503050406030204" pitchFamily="18" charset="0"/>
                           <a:ea typeface="Cambria Math" panose="02040503050406030204" pitchFamily="18" charset="0"/>
                         </a:rPr>
-                        <m:t>𝛁</m:t>
+                        <m:t>𝛻</m:t>
                       </m:r>
                       <m:r>
-                        <a:rPr lang="en-US" b="1" i="1" smtClean="0">
+                        <a:rPr lang="en-US" b="0" i="1" smtClean="0">
                           <a:latin typeface="Cambria Math" panose="02040503050406030204" pitchFamily="18" charset="0"/>
                           <a:ea typeface="Cambria Math" panose="02040503050406030204" pitchFamily="18" charset="0"/>
                         </a:rPr>
-                        <m:t>𝑽</m:t>
+                        <m:t>𝑉</m:t>
                       </m:r>
                       <m:d>
                         <m:dPr>
                           <m:ctrlPr>
-                            <a:rPr lang="en-US" b="1" i="1" smtClean="0">
+                            <a:rPr lang="en-US" b="0" i="1" smtClean="0">
                               <a:latin typeface="Cambria Math" panose="02040503050406030204" pitchFamily="18" charset="0"/>
                               <a:ea typeface="Cambria Math" panose="02040503050406030204" pitchFamily="18" charset="0"/>
                             </a:rPr>
@@ -13332,7 +14619,7 @@
                           <m:sSub>
                             <m:sSubPr>
                               <m:ctrlPr>
-                                <a:rPr lang="en-US" b="1" i="1" smtClean="0">
+                                <a:rPr lang="en-US" b="0" i="1" smtClean="0">
                                   <a:latin typeface="Cambria Math" panose="02040503050406030204" pitchFamily="18" charset="0"/>
                                   <a:ea typeface="Cambria Math" panose="02040503050406030204" pitchFamily="18" charset="0"/>
                                 </a:rPr>
@@ -13340,27 +14627,27 @@
                             </m:sSubPr>
                             <m:e>
                               <m:r>
-                                <a:rPr lang="en-US" b="1" i="1" smtClean="0">
+                                <a:rPr lang="en-US" b="0" i="1" smtClean="0">
                                   <a:latin typeface="Cambria Math" panose="02040503050406030204" pitchFamily="18" charset="0"/>
                                   <a:ea typeface="Cambria Math" panose="02040503050406030204" pitchFamily="18" charset="0"/>
                                 </a:rPr>
-                                <m:t>𝒓</m:t>
+                                <m:t>𝑟</m:t>
                               </m:r>
                             </m:e>
                             <m:sub>
                               <m:r>
-                                <a:rPr lang="en-US" b="1" i="1" smtClean="0">
+                                <a:rPr lang="en-US" b="0" i="1" smtClean="0">
                                   <a:latin typeface="Cambria Math" panose="02040503050406030204" pitchFamily="18" charset="0"/>
                                   <a:ea typeface="Cambria Math" panose="02040503050406030204" pitchFamily="18" charset="0"/>
                                 </a:rPr>
-                                <m:t>𝒊𝒋</m:t>
+                                <m:t>𝑖𝑗</m:t>
                               </m:r>
                             </m:sub>
                           </m:sSub>
                         </m:e>
                       </m:d>
                       <m:r>
-                        <a:rPr lang="en-US" b="1" i="1" smtClean="0">
+                        <a:rPr lang="en-US" b="0" i="1" smtClean="0">
                           <a:latin typeface="Cambria Math" panose="02040503050406030204" pitchFamily="18" charset="0"/>
                           <a:ea typeface="Cambria Math" panose="02040503050406030204" pitchFamily="18" charset="0"/>
                         </a:rPr>
@@ -13369,7 +14656,7 @@
                       <m:f>
                         <m:fPr>
                           <m:ctrlPr>
-                            <a:rPr lang="en-US" b="1" i="1" smtClean="0">
+                            <a:rPr lang="en-US" b="0" i="1" smtClean="0">
                               <a:latin typeface="Cambria Math" panose="02040503050406030204" pitchFamily="18" charset="0"/>
                               <a:ea typeface="Cambria Math" panose="02040503050406030204" pitchFamily="18" charset="0"/>
                             </a:rPr>
@@ -13377,16 +14664,16 @@
                         </m:fPr>
                         <m:num>
                           <m:r>
-                            <a:rPr lang="en-US" b="1" i="1" smtClean="0">
+                            <a:rPr lang="en-US" b="0" i="1" smtClean="0">
                               <a:latin typeface="Cambria Math" panose="02040503050406030204" pitchFamily="18" charset="0"/>
                               <a:ea typeface="Cambria Math" panose="02040503050406030204" pitchFamily="18" charset="0"/>
                             </a:rPr>
-                            <m:t>𝒅𝑽</m:t>
+                            <m:t>𝑑𝑉</m:t>
                           </m:r>
                           <m:d>
                             <m:dPr>
                               <m:ctrlPr>
-                                <a:rPr lang="en-US" b="1" i="1" smtClean="0">
+                                <a:rPr lang="en-US" b="0" i="1" smtClean="0">
                                   <a:latin typeface="Cambria Math" panose="02040503050406030204" pitchFamily="18" charset="0"/>
                                   <a:ea typeface="Cambria Math" panose="02040503050406030204" pitchFamily="18" charset="0"/>
                                 </a:rPr>
@@ -13396,7 +14683,7 @@
                               <m:sSup>
                                 <m:sSupPr>
                                   <m:ctrlPr>
-                                    <a:rPr lang="en-US" i="1">
+                                    <a:rPr lang="en-US" b="0" i="1">
                                       <a:latin typeface="Cambria Math" panose="02040503050406030204" pitchFamily="18" charset="0"/>
                                       <a:ea typeface="Cambria Math" panose="02040503050406030204" pitchFamily="18" charset="0"/>
                                     </a:rPr>
@@ -13404,20 +14691,20 @@
                                 </m:sSupPr>
                                 <m:e>
                                   <m:r>
-                                    <a:rPr lang="en-US" i="1">
+                                    <a:rPr lang="en-US" b="0" i="1">
                                       <a:latin typeface="Cambria Math" panose="02040503050406030204" pitchFamily="18" charset="0"/>
                                       <a:ea typeface="Cambria Math" panose="02040503050406030204" pitchFamily="18" charset="0"/>
                                     </a:rPr>
-                                    <m:t>𝒓</m:t>
+                                    <m:t>𝑟</m:t>
                                   </m:r>
                                 </m:e>
                                 <m:sup>
                                   <m:r>
-                                    <a:rPr lang="en-US" i="1">
+                                    <a:rPr lang="en-US" b="0" i="1">
                                       <a:latin typeface="Cambria Math" panose="02040503050406030204" pitchFamily="18" charset="0"/>
                                       <a:ea typeface="Cambria Math" panose="02040503050406030204" pitchFamily="18" charset="0"/>
                                     </a:rPr>
-                                    <m:t>𝟐</m:t>
+                                    <m:t>2</m:t>
                                   </m:r>
                                 </m:sup>
                               </m:sSup>
@@ -13426,16 +14713,16 @@
                         </m:num>
                         <m:den>
                           <m:r>
-                            <a:rPr lang="en-US" b="1" i="1" smtClean="0">
+                            <a:rPr lang="en-US" b="0" i="1" smtClean="0">
                               <a:latin typeface="Cambria Math" panose="02040503050406030204" pitchFamily="18" charset="0"/>
                               <a:ea typeface="Cambria Math" panose="02040503050406030204" pitchFamily="18" charset="0"/>
                             </a:rPr>
-                            <m:t>𝒅</m:t>
+                            <m:t>𝑑</m:t>
                           </m:r>
                           <m:sSup>
                             <m:sSupPr>
                               <m:ctrlPr>
-                                <a:rPr lang="en-US" b="1" i="1" smtClean="0">
+                                <a:rPr lang="en-US" b="0" i="1" smtClean="0">
                                   <a:latin typeface="Cambria Math" panose="02040503050406030204" pitchFamily="18" charset="0"/>
                                   <a:ea typeface="Cambria Math" panose="02040503050406030204" pitchFamily="18" charset="0"/>
                                 </a:rPr>
@@ -13443,36 +14730,36 @@
                             </m:sSupPr>
                             <m:e>
                               <m:r>
-                                <a:rPr lang="en-US" b="1" i="1" smtClean="0">
+                                <a:rPr lang="en-US" b="0" i="1" smtClean="0">
                                   <a:latin typeface="Cambria Math" panose="02040503050406030204" pitchFamily="18" charset="0"/>
                                   <a:ea typeface="Cambria Math" panose="02040503050406030204" pitchFamily="18" charset="0"/>
                                 </a:rPr>
-                                <m:t>𝒓</m:t>
+                                <m:t>𝑟</m:t>
                               </m:r>
                             </m:e>
                             <m:sup>
                               <m:r>
-                                <a:rPr lang="en-US" b="1" i="1" smtClean="0">
+                                <a:rPr lang="en-US" b="0" i="1" smtClean="0">
                                   <a:latin typeface="Cambria Math" panose="02040503050406030204" pitchFamily="18" charset="0"/>
                                   <a:ea typeface="Cambria Math" panose="02040503050406030204" pitchFamily="18" charset="0"/>
                                 </a:rPr>
-                                <m:t>𝟐</m:t>
+                                <m:t>2</m:t>
                               </m:r>
                             </m:sup>
                           </m:sSup>
                         </m:den>
                       </m:f>
                       <m:r>
-                        <a:rPr lang="en-US" i="1">
+                        <a:rPr lang="en-US" b="0" i="1">
                           <a:latin typeface="Cambria Math" panose="02040503050406030204" pitchFamily="18" charset="0"/>
                           <a:ea typeface="Cambria Math" panose="02040503050406030204" pitchFamily="18" charset="0"/>
                         </a:rPr>
-                        <m:t>𝛁</m:t>
+                        <m:t>𝛻</m:t>
                       </m:r>
                       <m:d>
                         <m:dPr>
                           <m:ctrlPr>
-                            <a:rPr lang="en-US" i="1">
+                            <a:rPr lang="en-US" b="0" i="1">
                               <a:latin typeface="Cambria Math" panose="02040503050406030204" pitchFamily="18" charset="0"/>
                               <a:ea typeface="Cambria Math" panose="02040503050406030204" pitchFamily="18" charset="0"/>
                             </a:rPr>
@@ -13482,7 +14769,7 @@
                           <m:sSup>
                             <m:sSupPr>
                               <m:ctrlPr>
-                                <a:rPr lang="en-US" i="1">
+                                <a:rPr lang="en-US" b="0" i="1">
                                   <a:latin typeface="Cambria Math" panose="02040503050406030204" pitchFamily="18" charset="0"/>
                                   <a:ea typeface="Cambria Math" panose="02040503050406030204" pitchFamily="18" charset="0"/>
                                 </a:rPr>
@@ -13490,27 +14777,27 @@
                             </m:sSupPr>
                             <m:e>
                               <m:r>
-                                <a:rPr lang="en-US" i="1">
+                                <a:rPr lang="en-US" b="0" i="1">
                                   <a:latin typeface="Cambria Math" panose="02040503050406030204" pitchFamily="18" charset="0"/>
                                   <a:ea typeface="Cambria Math" panose="02040503050406030204" pitchFamily="18" charset="0"/>
                                 </a:rPr>
-                                <m:t>𝒓</m:t>
+                                <m:t>𝑟</m:t>
                               </m:r>
                             </m:e>
                             <m:sup>
                               <m:r>
-                                <a:rPr lang="en-US" i="1">
+                                <a:rPr lang="en-US" b="0" i="1">
                                   <a:latin typeface="Cambria Math" panose="02040503050406030204" pitchFamily="18" charset="0"/>
                                   <a:ea typeface="Cambria Math" panose="02040503050406030204" pitchFamily="18" charset="0"/>
                                 </a:rPr>
-                                <m:t>𝟐</m:t>
+                                <m:t>2</m:t>
                               </m:r>
                             </m:sup>
                           </m:sSup>
                         </m:e>
                       </m:d>
                       <m:r>
-                        <a:rPr lang="en-US" b="1" i="0" smtClean="0">
+                        <a:rPr lang="en-US" b="0" i="0" smtClean="0">
                           <a:latin typeface="Cambria Math" panose="02040503050406030204" pitchFamily="18" charset="0"/>
                           <a:ea typeface="Cambria Math" panose="02040503050406030204" pitchFamily="18" charset="0"/>
                         </a:rPr>
@@ -13519,7 +14806,7 @@
                       <m:f>
                         <m:fPr>
                           <m:ctrlPr>
-                            <a:rPr lang="en-US" i="1">
+                            <a:rPr lang="en-US" b="0" i="1">
                               <a:latin typeface="Cambria Math" panose="02040503050406030204" pitchFamily="18" charset="0"/>
                               <a:ea typeface="Cambria Math" panose="02040503050406030204" pitchFamily="18" charset="0"/>
                             </a:rPr>
@@ -13527,16 +14814,16 @@
                         </m:fPr>
                         <m:num>
                           <m:r>
-                            <a:rPr lang="en-US" i="1">
+                            <a:rPr lang="en-US" b="0" i="1">
                               <a:latin typeface="Cambria Math" panose="02040503050406030204" pitchFamily="18" charset="0"/>
                               <a:ea typeface="Cambria Math" panose="02040503050406030204" pitchFamily="18" charset="0"/>
                             </a:rPr>
-                            <m:t>𝒅𝑽</m:t>
+                            <m:t>𝑑𝑉</m:t>
                           </m:r>
                           <m:d>
                             <m:dPr>
                               <m:ctrlPr>
-                                <a:rPr lang="en-US" i="1">
+                                <a:rPr lang="en-US" b="0" i="1">
                                   <a:latin typeface="Cambria Math" panose="02040503050406030204" pitchFamily="18" charset="0"/>
                                   <a:ea typeface="Cambria Math" panose="02040503050406030204" pitchFamily="18" charset="0"/>
                                 </a:rPr>
@@ -13546,7 +14833,7 @@
                               <m:sSup>
                                 <m:sSupPr>
                                   <m:ctrlPr>
-                                    <a:rPr lang="en-US" i="1">
+                                    <a:rPr lang="en-US" b="0" i="1">
                                       <a:latin typeface="Cambria Math" panose="02040503050406030204" pitchFamily="18" charset="0"/>
                                       <a:ea typeface="Cambria Math" panose="02040503050406030204" pitchFamily="18" charset="0"/>
                                     </a:rPr>
@@ -13554,20 +14841,20 @@
                                 </m:sSupPr>
                                 <m:e>
                                   <m:r>
-                                    <a:rPr lang="en-US" i="1">
+                                    <a:rPr lang="en-US" b="0" i="1">
                                       <a:latin typeface="Cambria Math" panose="02040503050406030204" pitchFamily="18" charset="0"/>
                                       <a:ea typeface="Cambria Math" panose="02040503050406030204" pitchFamily="18" charset="0"/>
                                     </a:rPr>
-                                    <m:t>𝒓</m:t>
+                                    <m:t>𝑟</m:t>
                                   </m:r>
                                 </m:e>
                                 <m:sup>
                                   <m:r>
-                                    <a:rPr lang="en-US" i="1">
+                                    <a:rPr lang="en-US" b="0" i="1">
                                       <a:latin typeface="Cambria Math" panose="02040503050406030204" pitchFamily="18" charset="0"/>
                                       <a:ea typeface="Cambria Math" panose="02040503050406030204" pitchFamily="18" charset="0"/>
                                     </a:rPr>
-                                    <m:t>𝟐</m:t>
+                                    <m:t>2</m:t>
                                   </m:r>
                                 </m:sup>
                               </m:sSup>
@@ -13576,16 +14863,16 @@
                         </m:num>
                         <m:den>
                           <m:r>
-                            <a:rPr lang="en-US" i="1">
+                            <a:rPr lang="en-US" b="0" i="1">
                               <a:latin typeface="Cambria Math" panose="02040503050406030204" pitchFamily="18" charset="0"/>
                               <a:ea typeface="Cambria Math" panose="02040503050406030204" pitchFamily="18" charset="0"/>
                             </a:rPr>
-                            <m:t>𝒅</m:t>
+                            <m:t>𝑑</m:t>
                           </m:r>
                           <m:sSup>
                             <m:sSupPr>
                               <m:ctrlPr>
-                                <a:rPr lang="en-US" i="1">
+                                <a:rPr lang="en-US" b="0" i="1">
                                   <a:latin typeface="Cambria Math" panose="02040503050406030204" pitchFamily="18" charset="0"/>
                                   <a:ea typeface="Cambria Math" panose="02040503050406030204" pitchFamily="18" charset="0"/>
                                 </a:rPr>
@@ -13593,48 +14880,48 @@
                             </m:sSupPr>
                             <m:e>
                               <m:r>
-                                <a:rPr lang="en-US" i="1">
+                                <a:rPr lang="en-US" b="0" i="1">
                                   <a:latin typeface="Cambria Math" panose="02040503050406030204" pitchFamily="18" charset="0"/>
                                   <a:ea typeface="Cambria Math" panose="02040503050406030204" pitchFamily="18" charset="0"/>
                                 </a:rPr>
-                                <m:t>𝒓</m:t>
+                                <m:t>𝑟</m:t>
                               </m:r>
                             </m:e>
                             <m:sup>
                               <m:r>
-                                <a:rPr lang="en-US" i="1">
+                                <a:rPr lang="en-US" b="0" i="1">
                                   <a:latin typeface="Cambria Math" panose="02040503050406030204" pitchFamily="18" charset="0"/>
                                   <a:ea typeface="Cambria Math" panose="02040503050406030204" pitchFamily="18" charset="0"/>
                                 </a:rPr>
-                                <m:t>𝟐</m:t>
+                                <m:t>2</m:t>
                               </m:r>
                             </m:sup>
                           </m:sSup>
                         </m:den>
                       </m:f>
                       <m:r>
-                        <a:rPr lang="en-US" i="1">
+                        <a:rPr lang="en-US" b="0" i="1">
                           <a:latin typeface="Cambria Math" panose="02040503050406030204" pitchFamily="18" charset="0"/>
                           <a:ea typeface="Cambria Math" panose="02040503050406030204" pitchFamily="18" charset="0"/>
                         </a:rPr>
                         <m:t>∙</m:t>
                       </m:r>
                       <m:r>
-                        <a:rPr lang="en-US" b="1" i="1" smtClean="0">
+                        <a:rPr lang="en-US" b="0" i="1" smtClean="0">
                           <a:latin typeface="Cambria Math" panose="02040503050406030204" pitchFamily="18" charset="0"/>
                           <a:ea typeface="Cambria Math" panose="02040503050406030204" pitchFamily="18" charset="0"/>
                         </a:rPr>
-                        <m:t>𝟐</m:t>
+                        <m:t>2</m:t>
                       </m:r>
                       <m:r>
-                        <a:rPr lang="en-US" b="1" i="1" smtClean="0">
+                        <a:rPr lang="en-US" b="0" i="1" smtClean="0">
                           <a:latin typeface="Cambria Math" panose="02040503050406030204" pitchFamily="18" charset="0"/>
                           <a:ea typeface="Cambria Math" panose="02040503050406030204" pitchFamily="18" charset="0"/>
                         </a:rPr>
-                        <m:t>𝒓</m:t>
+                        <m:t>𝑟</m:t>
                       </m:r>
                       <m:r>
-                        <a:rPr lang="en-US" i="1">
+                        <a:rPr lang="en-US" b="0" i="1">
                           <a:latin typeface="Cambria Math" panose="02040503050406030204" pitchFamily="18" charset="0"/>
                           <a:ea typeface="Cambria Math" panose="02040503050406030204" pitchFamily="18" charset="0"/>
                         </a:rPr>
@@ -13644,24 +14931,24 @@
                         <m:accPr>
                           <m:chr m:val="̅"/>
                           <m:ctrlPr>
-                            <a:rPr lang="en-GB" i="1">
+                            <a:rPr lang="en-GB" b="0" i="1">
                               <a:latin typeface="Cambria Math" panose="02040503050406030204" pitchFamily="18" charset="0"/>
                             </a:rPr>
                           </m:ctrlPr>
                         </m:accPr>
                         <m:e>
                           <m:r>
-                            <a:rPr lang="en-US" b="1" i="1" smtClean="0">
+                            <a:rPr lang="en-US" b="0" i="1" smtClean="0">
                               <a:latin typeface="Cambria Math" panose="02040503050406030204" pitchFamily="18" charset="0"/>
                             </a:rPr>
-                            <m:t>𝒓</m:t>
+                            <m:t>𝑟</m:t>
                           </m:r>
                         </m:e>
                       </m:acc>
                     </m:oMath>
                   </m:oMathPara>
                 </a14:m>
-                <a:endParaRPr lang="en-GB" dirty="0"/>
+                <a:endParaRPr lang="en-GB" b="0" dirty="0"/>
               </a:p>
               <a:p>
                 <a:r>
@@ -13682,7 +14969,7 @@
                       <m:sSub>
                         <m:sSubPr>
                           <m:ctrlPr>
-                            <a:rPr lang="en-GB" i="1">
+                            <a:rPr lang="en-GB" b="0" i="1">
                               <a:latin typeface="Cambria Math" panose="02040503050406030204" pitchFamily="18" charset="0"/>
                             </a:rPr>
                           </m:ctrlPr>
@@ -13692,38 +14979,38 @@
                             <m:accPr>
                               <m:chr m:val="̅"/>
                               <m:ctrlPr>
-                                <a:rPr lang="en-GB" i="1">
+                                <a:rPr lang="en-GB" b="0" i="1">
                                   <a:latin typeface="Cambria Math" panose="02040503050406030204" pitchFamily="18" charset="0"/>
                                 </a:rPr>
                               </m:ctrlPr>
                             </m:accPr>
                             <m:e>
                               <m:r>
-                                <a:rPr lang="en-US" i="1">
+                                <a:rPr lang="en-US" b="0" i="1">
                                   <a:latin typeface="Cambria Math" panose="02040503050406030204" pitchFamily="18" charset="0"/>
                                 </a:rPr>
-                                <m:t>𝑭</m:t>
+                                <m:t>𝐹</m:t>
                               </m:r>
                             </m:e>
                           </m:acc>
                         </m:e>
                         <m:sub>
                           <m:r>
-                            <a:rPr lang="en-US" i="1">
+                            <a:rPr lang="en-US" b="0" i="1">
                               <a:latin typeface="Cambria Math" panose="02040503050406030204" pitchFamily="18" charset="0"/>
                             </a:rPr>
-                            <m:t>𝒋</m:t>
+                            <m:t>𝑗</m:t>
                           </m:r>
                           <m:r>
-                            <a:rPr lang="en-US" b="1" i="1" smtClean="0">
+                            <a:rPr lang="en-US" b="0" i="1" smtClean="0">
                               <a:latin typeface="Cambria Math" panose="02040503050406030204" pitchFamily="18" charset="0"/>
                             </a:rPr>
-                            <m:t>𝒊</m:t>
+                            <m:t>𝑖</m:t>
                           </m:r>
                         </m:sub>
                       </m:sSub>
                       <m:r>
-                        <a:rPr lang="en-US" i="1">
+                        <a:rPr lang="en-US" b="0" i="1">
                           <a:latin typeface="Cambria Math" panose="02040503050406030204" pitchFamily="18" charset="0"/>
                         </a:rPr>
                         <m:t>=</m:t>
@@ -13731,14 +15018,14 @@
                       <m:sSub>
                         <m:sSubPr>
                           <m:ctrlPr>
-                            <a:rPr lang="en-GB" i="1">
+                            <a:rPr lang="en-GB" b="0" i="1">
                               <a:latin typeface="Cambria Math" panose="02040503050406030204" pitchFamily="18" charset="0"/>
                             </a:rPr>
                           </m:ctrlPr>
                         </m:sSubPr>
                         <m:e>
                           <m:r>
-                            <a:rPr lang="en-US" b="1" i="1" smtClean="0">
+                            <a:rPr lang="en-US" b="0" i="1" smtClean="0">
                               <a:latin typeface="Cambria Math" panose="02040503050406030204" pitchFamily="18" charset="0"/>
                             </a:rPr>
                             <m:t>−</m:t>
@@ -13747,37 +15034,36 @@
                             <m:accPr>
                               <m:chr m:val="̅"/>
                               <m:ctrlPr>
-                                <a:rPr lang="en-GB" i="1">
+                                <a:rPr lang="en-GB" b="0" i="1">
                                   <a:latin typeface="Cambria Math" panose="02040503050406030204" pitchFamily="18" charset="0"/>
                                 </a:rPr>
                               </m:ctrlPr>
                             </m:accPr>
                             <m:e>
                               <m:r>
-                                <a:rPr lang="en-US" i="1">
+                                <a:rPr lang="en-US" b="0" i="1">
                                   <a:latin typeface="Cambria Math" panose="02040503050406030204" pitchFamily="18" charset="0"/>
                                 </a:rPr>
-                                <m:t>𝑭</m:t>
+                                <m:t>𝐹</m:t>
                               </m:r>
                             </m:e>
                           </m:acc>
                         </m:e>
                         <m:sub>
                           <m:r>
-                            <a:rPr lang="en-US" i="1">
+                            <a:rPr lang="en-US" b="0" i="1">
                               <a:latin typeface="Cambria Math" panose="02040503050406030204" pitchFamily="18" charset="0"/>
                             </a:rPr>
-                            <m:t>𝒊𝒋</m:t>
+                            <m:t>𝑖𝑗</m:t>
                           </m:r>
                         </m:sub>
                       </m:sSub>
                     </m:oMath>
                   </m:oMathPara>
                 </a14:m>
-                <a:endParaRPr lang="en-GB" dirty="0"/>
+                <a:endParaRPr lang="en-GB" b="0" dirty="0"/>
               </a:p>
               <a:p>
-                <a:pPr/>
                 <a:r>
                   <a:rPr lang="en-GB" dirty="0"/>
                   <a:t>total force on atom </a:t>
@@ -13810,7 +15096,7 @@
                       <m:sSub>
                         <m:sSubPr>
                           <m:ctrlPr>
-                            <a:rPr lang="en-GB" i="1">
+                            <a:rPr lang="en-GB" b="0" i="1">
                               <a:latin typeface="Cambria Math" panose="02040503050406030204" pitchFamily="18" charset="0"/>
                             </a:rPr>
                           </m:ctrlPr>
@@ -13820,32 +15106,32 @@
                             <m:accPr>
                               <m:chr m:val="̅"/>
                               <m:ctrlPr>
-                                <a:rPr lang="en-GB" i="1">
+                                <a:rPr lang="en-GB" b="0" i="1">
                                   <a:latin typeface="Cambria Math" panose="02040503050406030204" pitchFamily="18" charset="0"/>
                                 </a:rPr>
                               </m:ctrlPr>
                             </m:accPr>
                             <m:e>
                               <m:r>
-                                <a:rPr lang="en-US" i="1">
+                                <a:rPr lang="en-US" b="0" i="1">
                                   <a:latin typeface="Cambria Math" panose="02040503050406030204" pitchFamily="18" charset="0"/>
                                 </a:rPr>
-                                <m:t>𝑭</m:t>
+                                <m:t>𝐹</m:t>
                               </m:r>
                             </m:e>
                           </m:acc>
                         </m:e>
                         <m:sub>
                           <m:r>
-                            <a:rPr lang="en-US" i="1">
+                            <a:rPr lang="en-US" b="0" i="1">
                               <a:latin typeface="Cambria Math" panose="02040503050406030204" pitchFamily="18" charset="0"/>
                             </a:rPr>
-                            <m:t>𝒊</m:t>
+                            <m:t>𝑖</m:t>
                           </m:r>
                         </m:sub>
                       </m:sSub>
                       <m:r>
-                        <a:rPr lang="en-US" b="1" i="1" smtClean="0">
+                        <a:rPr lang="en-US" b="0" i="1" smtClean="0">
                           <a:latin typeface="Cambria Math" panose="02040503050406030204" pitchFamily="18" charset="0"/>
                         </a:rPr>
                         <m:t>=</m:t>
@@ -13855,7 +15141,7 @@
                           <m:chr m:val="∑"/>
                           <m:supHide m:val="on"/>
                           <m:ctrlPr>
-                            <a:rPr lang="en-US" b="1" i="1" smtClean="0">
+                            <a:rPr lang="en-US" b="0" i="1" smtClean="0">
                               <a:latin typeface="Cambria Math" panose="02040503050406030204" pitchFamily="18" charset="0"/>
                             </a:rPr>
                           </m:ctrlPr>
@@ -13865,13 +15151,13 @@
                             <m:rPr>
                               <m:brk m:alnAt="7"/>
                             </m:rPr>
-                            <a:rPr lang="en-US" b="1" i="1" smtClean="0">
+                            <a:rPr lang="en-US" b="0" i="1" smtClean="0">
                               <a:latin typeface="Cambria Math" panose="02040503050406030204" pitchFamily="18" charset="0"/>
                             </a:rPr>
-                            <m:t>𝒋</m:t>
+                            <m:t>𝑗</m:t>
                           </m:r>
                           <m:r>
-                            <a:rPr lang="en-US" b="1" i="1" smtClean="0">
+                            <a:rPr lang="en-US" b="0" i="1" smtClean="0">
                               <a:latin typeface="Cambria Math" panose="02040503050406030204" pitchFamily="18" charset="0"/>
                               <a:ea typeface="Cambria Math" panose="02040503050406030204" pitchFamily="18" charset="0"/>
                             </a:rPr>
@@ -13880,25 +15166,25 @@
                           <m:sSub>
                             <m:sSubPr>
                               <m:ctrlPr>
-                                <a:rPr lang="en-US" i="1">
+                                <a:rPr lang="en-US" b="0" i="1">
                                   <a:latin typeface="Cambria Math" panose="02040503050406030204" pitchFamily="18" charset="0"/>
                                 </a:rPr>
                               </m:ctrlPr>
                             </m:sSubPr>
                             <m:e>
                               <m:r>
-                                <a:rPr lang="en-US" i="1">
+                                <a:rPr lang="en-US" b="0" i="1">
                                   <a:latin typeface="Cambria Math" panose="02040503050406030204" pitchFamily="18" charset="0"/>
                                 </a:rPr>
-                                <m:t>𝑳</m:t>
+                                <m:t>𝐿</m:t>
                               </m:r>
                             </m:e>
                             <m:sub>
                               <m:r>
-                                <a:rPr lang="en-US" i="1">
+                                <a:rPr lang="en-US" b="0" i="1">
                                   <a:latin typeface="Cambria Math" panose="02040503050406030204" pitchFamily="18" charset="0"/>
                                 </a:rPr>
-                                <m:t>𝒊</m:t>
+                                <m:t>𝑖</m:t>
                               </m:r>
                             </m:sub>
                           </m:sSub>
@@ -13908,7 +15194,7 @@
                           <m:sSub>
                             <m:sSubPr>
                               <m:ctrlPr>
-                                <a:rPr lang="en-GB" i="1">
+                                <a:rPr lang="en-GB" b="0" i="1">
                                   <a:latin typeface="Cambria Math" panose="02040503050406030204" pitchFamily="18" charset="0"/>
                                 </a:rPr>
                               </m:ctrlPr>
@@ -13918,27 +15204,27 @@
                                 <m:accPr>
                                   <m:chr m:val="̅"/>
                                   <m:ctrlPr>
-                                    <a:rPr lang="en-GB" i="1">
+                                    <a:rPr lang="en-GB" b="0" i="1">
                                       <a:latin typeface="Cambria Math" panose="02040503050406030204" pitchFamily="18" charset="0"/>
                                     </a:rPr>
                                   </m:ctrlPr>
                                 </m:accPr>
                                 <m:e>
                                   <m:r>
-                                    <a:rPr lang="en-US" i="1">
+                                    <a:rPr lang="en-US" b="0" i="1">
                                       <a:latin typeface="Cambria Math" panose="02040503050406030204" pitchFamily="18" charset="0"/>
                                     </a:rPr>
-                                    <m:t>𝑭</m:t>
+                                    <m:t>𝐹</m:t>
                                   </m:r>
                                 </m:e>
                               </m:acc>
                             </m:e>
                             <m:sub>
                               <m:r>
-                                <a:rPr lang="en-US" i="1">
+                                <a:rPr lang="en-US" b="0" i="1">
                                   <a:latin typeface="Cambria Math" panose="02040503050406030204" pitchFamily="18" charset="0"/>
                                 </a:rPr>
-                                <m:t>𝒊𝒋</m:t>
+                                <m:t>𝑖𝑗</m:t>
                               </m:r>
                             </m:sub>
                           </m:sSub>
@@ -13947,142 +15233,154 @@
                     </m:oMath>
                   </m:oMathPara>
                 </a14:m>
-                <a:endParaRPr lang="en-GB" dirty="0"/>
+                <a:endParaRPr lang="en-GB" b="0" dirty="0"/>
               </a:p>
               <a:p>
-                <a:pPr/>
                 <a:r>
                   <a:rPr lang="en-GB" dirty="0"/>
                   <a:t>acceleration: </a:t>
                 </a:r>
+                <a:endParaRPr lang="en-US" b="0" i="1" dirty="0">
+                  <a:latin typeface="Cambria Math" panose="02040503050406030204" pitchFamily="18" charset="0"/>
+                </a:endParaRPr>
+              </a:p>
+              <a:p>
+                <a:pPr marL="0" indent="0">
+                  <a:buNone/>
+                </a:pPr>
                 <a14:m>
-                  <m:oMath xmlns:m="http://schemas.openxmlformats.org/officeDocument/2006/math">
-                    <m:sSub>
-                      <m:sSubPr>
-                        <m:ctrlPr>
-                          <a:rPr lang="en-GB" i="1">
-                            <a:latin typeface="Cambria Math" panose="02040503050406030204" pitchFamily="18" charset="0"/>
-                          </a:rPr>
-                        </m:ctrlPr>
-                      </m:sSubPr>
-                      <m:e>
-                        <m:acc>
-                          <m:accPr>
-                            <m:chr m:val="̅"/>
-                            <m:ctrlPr>
-                              <a:rPr lang="en-GB" i="1">
-                                <a:latin typeface="Cambria Math" panose="02040503050406030204" pitchFamily="18" charset="0"/>
-                              </a:rPr>
-                            </m:ctrlPr>
-                          </m:accPr>
-                          <m:e>
-                            <m:r>
-                              <a:rPr lang="en-US" b="1" i="1" smtClean="0">
-                                <a:latin typeface="Cambria Math" panose="02040503050406030204" pitchFamily="18" charset="0"/>
-                              </a:rPr>
-                              <m:t>𝒂</m:t>
-                            </m:r>
-                          </m:e>
-                        </m:acc>
-                      </m:e>
-                      <m:sub>
-                        <m:r>
-                          <a:rPr lang="en-US" i="1">
-                            <a:latin typeface="Cambria Math" panose="02040503050406030204" pitchFamily="18" charset="0"/>
-                          </a:rPr>
-                          <m:t>𝒊</m:t>
-                        </m:r>
-                      </m:sub>
-                    </m:sSub>
-                    <m:r>
-                      <a:rPr lang="en-US" b="1" i="1" smtClean="0">
-                        <a:latin typeface="Cambria Math" panose="02040503050406030204" pitchFamily="18" charset="0"/>
-                      </a:rPr>
-                      <m:t>=</m:t>
-                    </m:r>
-                    <m:f>
-                      <m:fPr>
-                        <m:ctrlPr>
-                          <a:rPr lang="en-US" b="1" i="1" smtClean="0">
-                            <a:latin typeface="Cambria Math" panose="02040503050406030204" pitchFamily="18" charset="0"/>
-                          </a:rPr>
-                        </m:ctrlPr>
-                      </m:fPr>
-                      <m:num>
-                        <m:sSub>
-                          <m:sSubPr>
-                            <m:ctrlPr>
-                              <a:rPr lang="en-GB" i="1">
-                                <a:latin typeface="Cambria Math" panose="02040503050406030204" pitchFamily="18" charset="0"/>
-                              </a:rPr>
-                            </m:ctrlPr>
-                          </m:sSubPr>
-                          <m:e>
-                            <m:acc>
-                              <m:accPr>
-                                <m:chr m:val="̅"/>
-                                <m:ctrlPr>
-                                  <a:rPr lang="en-GB" i="1">
-                                    <a:latin typeface="Cambria Math" panose="02040503050406030204" pitchFamily="18" charset="0"/>
-                                  </a:rPr>
-                                </m:ctrlPr>
-                              </m:accPr>
-                              <m:e>
-                                <m:r>
-                                  <a:rPr lang="en-US" i="1">
-                                    <a:latin typeface="Cambria Math" panose="02040503050406030204" pitchFamily="18" charset="0"/>
-                                  </a:rPr>
-                                  <m:t>𝑭</m:t>
-                                </m:r>
-                              </m:e>
-                            </m:acc>
-                          </m:e>
-                          <m:sub>
-                            <m:r>
-                              <a:rPr lang="en-US" i="1">
-                                <a:latin typeface="Cambria Math" panose="02040503050406030204" pitchFamily="18" charset="0"/>
-                              </a:rPr>
-                              <m:t>𝒊</m:t>
-                            </m:r>
-                          </m:sub>
-                        </m:sSub>
-                      </m:num>
-                      <m:den>
-                        <m:sSub>
-                          <m:sSubPr>
-                            <m:ctrlPr>
-                              <a:rPr lang="en-US" b="1" i="1" smtClean="0">
-                                <a:latin typeface="Cambria Math" panose="02040503050406030204" pitchFamily="18" charset="0"/>
-                              </a:rPr>
-                            </m:ctrlPr>
-                          </m:sSubPr>
-                          <m:e>
-                            <m:r>
-                              <a:rPr lang="en-US" b="1" i="1" smtClean="0">
-                                <a:latin typeface="Cambria Math" panose="02040503050406030204" pitchFamily="18" charset="0"/>
-                              </a:rPr>
-                              <m:t>𝒎</m:t>
-                            </m:r>
-                          </m:e>
-                          <m:sub>
-                            <m:r>
-                              <a:rPr lang="en-US" b="1" i="1" smtClean="0">
-                                <a:latin typeface="Cambria Math" panose="02040503050406030204" pitchFamily="18" charset="0"/>
-                              </a:rPr>
-                              <m:t>𝒊</m:t>
-                            </m:r>
-                          </m:sub>
-                        </m:sSub>
-                      </m:den>
-                    </m:f>
-                  </m:oMath>
+                  <m:oMathPara xmlns:m="http://schemas.openxmlformats.org/officeDocument/2006/math">
+                    <m:oMathParaPr>
+                      <m:jc m:val="centerGroup"/>
+                    </m:oMathParaPr>
+                    <m:oMath xmlns:m="http://schemas.openxmlformats.org/officeDocument/2006/math">
+                      <m:sSub>
+                        <m:sSubPr>
+                          <m:ctrlPr>
+                            <a:rPr lang="en-GB" b="0" i="1">
+                              <a:latin typeface="Cambria Math" panose="02040503050406030204" pitchFamily="18" charset="0"/>
+                            </a:rPr>
+                          </m:ctrlPr>
+                        </m:sSubPr>
+                        <m:e>
+                          <m:acc>
+                            <m:accPr>
+                              <m:chr m:val="̅"/>
+                              <m:ctrlPr>
+                                <a:rPr lang="en-GB" b="0" i="1">
+                                  <a:latin typeface="Cambria Math" panose="02040503050406030204" pitchFamily="18" charset="0"/>
+                                </a:rPr>
+                              </m:ctrlPr>
+                            </m:accPr>
+                            <m:e>
+                              <m:r>
+                                <a:rPr lang="en-US" b="0" i="1" smtClean="0">
+                                  <a:latin typeface="Cambria Math" panose="02040503050406030204" pitchFamily="18" charset="0"/>
+                                </a:rPr>
+                                <m:t>𝑎</m:t>
+                              </m:r>
+                            </m:e>
+                          </m:acc>
+                        </m:e>
+                        <m:sub>
+                          <m:r>
+                            <a:rPr lang="en-US" b="0" i="1">
+                              <a:latin typeface="Cambria Math" panose="02040503050406030204" pitchFamily="18" charset="0"/>
+                            </a:rPr>
+                            <m:t>𝑖</m:t>
+                          </m:r>
+                        </m:sub>
+                      </m:sSub>
+                      <m:r>
+                        <a:rPr lang="en-US" b="0" i="1" smtClean="0">
+                          <a:latin typeface="Cambria Math" panose="02040503050406030204" pitchFamily="18" charset="0"/>
+                        </a:rPr>
+                        <m:t>=</m:t>
+                      </m:r>
+                      <m:f>
+                        <m:fPr>
+                          <m:ctrlPr>
+                            <a:rPr lang="en-US" b="0" i="1" smtClean="0">
+                              <a:latin typeface="Cambria Math" panose="02040503050406030204" pitchFamily="18" charset="0"/>
+                            </a:rPr>
+                          </m:ctrlPr>
+                        </m:fPr>
+                        <m:num>
+                          <m:sSub>
+                            <m:sSubPr>
+                              <m:ctrlPr>
+                                <a:rPr lang="en-GB" b="0" i="1">
+                                  <a:latin typeface="Cambria Math" panose="02040503050406030204" pitchFamily="18" charset="0"/>
+                                </a:rPr>
+                              </m:ctrlPr>
+                            </m:sSubPr>
+                            <m:e>
+                              <m:acc>
+                                <m:accPr>
+                                  <m:chr m:val="̅"/>
+                                  <m:ctrlPr>
+                                    <a:rPr lang="en-GB" b="0" i="1">
+                                      <a:latin typeface="Cambria Math" panose="02040503050406030204" pitchFamily="18" charset="0"/>
+                                    </a:rPr>
+                                  </m:ctrlPr>
+                                </m:accPr>
+                                <m:e>
+                                  <m:r>
+                                    <a:rPr lang="en-US" b="0" i="1">
+                                      <a:latin typeface="Cambria Math" panose="02040503050406030204" pitchFamily="18" charset="0"/>
+                                    </a:rPr>
+                                    <m:t>𝐹</m:t>
+                                  </m:r>
+                                </m:e>
+                              </m:acc>
+                            </m:e>
+                            <m:sub>
+                              <m:r>
+                                <a:rPr lang="en-US" b="0" i="1">
+                                  <a:latin typeface="Cambria Math" panose="02040503050406030204" pitchFamily="18" charset="0"/>
+                                </a:rPr>
+                                <m:t>𝑖</m:t>
+                              </m:r>
+                            </m:sub>
+                          </m:sSub>
+                        </m:num>
+                        <m:den>
+                          <m:sSub>
+                            <m:sSubPr>
+                              <m:ctrlPr>
+                                <a:rPr lang="en-US" b="0" i="1" smtClean="0">
+                                  <a:latin typeface="Cambria Math" panose="02040503050406030204" pitchFamily="18" charset="0"/>
+                                </a:rPr>
+                              </m:ctrlPr>
+                            </m:sSubPr>
+                            <m:e>
+                              <m:r>
+                                <a:rPr lang="en-US" b="0" i="1" smtClean="0">
+                                  <a:latin typeface="Cambria Math" panose="02040503050406030204" pitchFamily="18" charset="0"/>
+                                </a:rPr>
+                                <m:t>𝑚</m:t>
+                              </m:r>
+                            </m:e>
+                            <m:sub>
+                              <m:r>
+                                <a:rPr lang="en-US" b="0" i="1" smtClean="0">
+                                  <a:latin typeface="Cambria Math" panose="02040503050406030204" pitchFamily="18" charset="0"/>
+                                </a:rPr>
+                                <m:t>𝑖</m:t>
+                              </m:r>
+                            </m:sub>
+                          </m:sSub>
+                        </m:den>
+                      </m:f>
+                    </m:oMath>
+                  </m:oMathPara>
                 </a14:m>
-                <a:endParaRPr lang="en-GB" dirty="0"/>
+                <a:endParaRPr lang="en-GB" b="0" dirty="0"/>
               </a:p>
             </p:txBody>
           </p:sp>
         </mc:Choice>
-        <mc:Fallback>
+        <mc:Fallback xmlns="">
           <p:sp>
             <p:nvSpPr>
               <p:cNvPr id="4" name="Text Placeholder 3">
@@ -14103,7 +15401,7 @@
               <a:blipFill>
                 <a:blip r:embed="rId2"/>
                 <a:stretch>
-                  <a:fillRect l="-1273" t="-3217" b="-23861"/>
+                  <a:fillRect l="-1273" t="-3485" b="-12869"/>
                 </a:stretch>
               </a:blipFill>
             </p:spPr>
@@ -14210,31 +15508,135 @@
           </a:p>
         </p:txBody>
       </p:sp>
-      <p:sp>
-        <p:nvSpPr>
-          <p:cNvPr id="4" name="Text Placeholder 3">
+      <mc:AlternateContent xmlns:mc="http://schemas.openxmlformats.org/markup-compatibility/2006" xmlns:a14="http://schemas.microsoft.com/office/drawing/2010/main">
+        <mc:Choice Requires="a14">
+          <p:sp>
+            <p:nvSpPr>
+              <p:cNvPr id="4" name="Text Placeholder 3">
+                <a:extLst>
+                  <a:ext uri="{FF2B5EF4-FFF2-40B4-BE49-F238E27FC236}">
+                    <a16:creationId xmlns:a16="http://schemas.microsoft.com/office/drawing/2014/main" id="{22AACB65-6E56-DC40-969F-A2679B640D45}"/>
+                  </a:ext>
+                </a:extLst>
+              </p:cNvPr>
+              <p:cNvSpPr>
+                <a:spLocks noGrp="1"/>
+              </p:cNvSpPr>
+              <p:nvPr>
+                <p:ph type="body" sz="quarter" idx="11"/>
+              </p:nvPr>
+            </p:nvSpPr>
+            <p:spPr/>
+            <p:txBody>
+              <a:bodyPr/>
+              <a:lstStyle/>
+              <a:p>
+                <a:r>
+                  <a:rPr lang="en-GB" dirty="0"/>
+                  <a:t>time integration scheme</a:t>
+                </a:r>
+              </a:p>
+              <a:p>
+                <a:r>
+                  <a:rPr lang="en-GB" dirty="0"/>
+                  <a:t>time step = </a:t>
+                </a:r>
+                <a14:m>
+                  <m:oMath xmlns:m="http://schemas.openxmlformats.org/officeDocument/2006/math">
+                    <m:r>
+                      <a:rPr lang="en-GB" i="1" smtClean="0">
+                        <a:latin typeface="Cambria Math" panose="02040503050406030204" pitchFamily="18" charset="0"/>
+                        <a:ea typeface="Cambria Math" panose="02040503050406030204" pitchFamily="18" charset="0"/>
+                      </a:rPr>
+                      <m:t>𝜹</m:t>
+                    </m:r>
+                    <m:r>
+                      <a:rPr lang="en-US" b="1" i="1" smtClean="0">
+                        <a:latin typeface="Cambria Math" panose="02040503050406030204" pitchFamily="18" charset="0"/>
+                        <a:ea typeface="Cambria Math" panose="02040503050406030204" pitchFamily="18" charset="0"/>
+                      </a:rPr>
+                      <m:t>𝒕</m:t>
+                    </m:r>
+                  </m:oMath>
+                </a14:m>
+                <a:endParaRPr lang="en-GB" dirty="0"/>
+              </a:p>
+              <a:p>
+                <a:endParaRPr lang="en-GB" dirty="0"/>
+              </a:p>
+            </p:txBody>
+          </p:sp>
+        </mc:Choice>
+        <mc:Fallback xmlns="">
+          <p:sp>
+            <p:nvSpPr>
+              <p:cNvPr id="4" name="Text Placeholder 3">
+                <a:extLst>
+                  <a:ext uri="{FF2B5EF4-FFF2-40B4-BE49-F238E27FC236}">
+                    <a16:creationId xmlns:a16="http://schemas.microsoft.com/office/drawing/2014/main" id="{22AACB65-6E56-DC40-969F-A2679B640D45}"/>
+                  </a:ext>
+                </a:extLst>
+              </p:cNvPr>
+              <p:cNvSpPr>
+                <a:spLocks noGrp="1" noRot="1" noChangeAspect="1" noMove="1" noResize="1" noEditPoints="1" noAdjustHandles="1" noChangeArrowheads="1" noChangeShapeType="1" noTextEdit="1"/>
+              </p:cNvSpPr>
+              <p:nvPr>
+                <p:ph type="body" sz="quarter" idx="11"/>
+              </p:nvPr>
+            </p:nvSpPr>
+            <p:spPr>
+              <a:blipFill>
+                <a:blip r:embed="rId2"/>
+                <a:stretch>
+                  <a:fillRect l="-1273" t="-2413"/>
+                </a:stretch>
+              </a:blipFill>
+            </p:spPr>
+            <p:txBody>
+              <a:bodyPr/>
+              <a:lstStyle/>
+              <a:p>
+                <a:r>
+                  <a:rPr lang="en-GB">
+                    <a:noFill/>
+                  </a:rPr>
+                  <a:t> </a:t>
+                </a:r>
+              </a:p>
+            </p:txBody>
+          </p:sp>
+        </mc:Fallback>
+      </mc:AlternateContent>
+      <p:pic>
+        <p:nvPicPr>
+          <p:cNvPr id="6" name="Picture 5">
             <a:extLst>
               <a:ext uri="{FF2B5EF4-FFF2-40B4-BE49-F238E27FC236}">
-                <a16:creationId xmlns:a16="http://schemas.microsoft.com/office/drawing/2014/main" id="{22AACB65-6E56-DC40-969F-A2679B640D45}"/>
+                <a16:creationId xmlns:a16="http://schemas.microsoft.com/office/drawing/2014/main" id="{70C973C1-FCF2-2444-A8D0-F3BA3F118BDB}"/>
               </a:ext>
             </a:extLst>
           </p:cNvPr>
-          <p:cNvSpPr>
-            <a:spLocks noGrp="1"/>
-          </p:cNvSpPr>
-          <p:nvPr>
-            <p:ph type="body" sz="quarter" idx="11"/>
-          </p:nvPr>
-        </p:nvSpPr>
-        <p:spPr/>
-        <p:txBody>
-          <a:bodyPr/>
-          <a:lstStyle/>
-          <a:p>
-            <a:endParaRPr lang="en-GB"/>
-          </a:p>
-        </p:txBody>
-      </p:sp>
+          <p:cNvPicPr>
+            <a:picLocks noChangeAspect="1"/>
+          </p:cNvPicPr>
+          <p:nvPr/>
+        </p:nvPicPr>
+        <p:blipFill>
+          <a:blip r:embed="rId3"/>
+          <a:stretch>
+            <a:fillRect/>
+          </a:stretch>
+        </p:blipFill>
+        <p:spPr>
+          <a:xfrm>
+            <a:off x="3024968" y="2957477"/>
+            <a:ext cx="6142063" cy="3564258"/>
+          </a:xfrm>
+          <a:prstGeom prst="rect">
+            <a:avLst/>
+          </a:prstGeom>
+        </p:spPr>
+      </p:pic>
     </p:spTree>
     <p:extLst>
       <p:ext uri="{BB962C8B-B14F-4D97-AF65-F5344CB8AC3E}">
@@ -14346,7 +15748,15 @@
           <a:p>
             <a:r>
               <a:rPr lang="en-GB" dirty="0"/>
-              <a:t>Atoms may move from one cell to another. Update the grid cells every time the </a:t>
+              <a:t>Atoms may move from one cell to another. One </a:t>
+            </a:r>
+            <a:r>
+              <a:rPr lang="en-GB"/>
+              <a:t>must update </a:t>
+            </a:r>
+            <a:r>
+              <a:rPr lang="en-GB" dirty="0"/>
+              <a:t>the grid cells every time the </a:t>
             </a:r>
             <a:r>
               <a:rPr lang="en-GB" dirty="0" err="1"/>
@@ -14447,8 +15857,8 @@
           </a:p>
         </p:txBody>
       </p:sp>
-      <mc:AlternateContent xmlns:mc="http://schemas.openxmlformats.org/markup-compatibility/2006">
-        <mc:Choice xmlns:a14="http://schemas.microsoft.com/office/drawing/2010/main" Requires="a14">
+      <mc:AlternateContent xmlns:mc="http://schemas.openxmlformats.org/markup-compatibility/2006" xmlns:a14="http://schemas.microsoft.com/office/drawing/2010/main">
+        <mc:Choice Requires="a14">
           <p:sp>
             <p:nvSpPr>
               <p:cNvPr id="4" name="Text Placeholder 3">
@@ -14528,7 +15938,7 @@
             </p:txBody>
           </p:sp>
         </mc:Choice>
-        <mc:Fallback>
+        <mc:Fallback xmlns="">
           <p:sp>
             <p:nvSpPr>
               <p:cNvPr id="4" name="Text Placeholder 3">

--- a/course-material/assignment-2021.pptx
+++ b/course-material/assignment-2021.pptx
@@ -12481,8 +12481,8 @@
           </a:p>
         </p:txBody>
       </p:sp>
-      <mc:AlternateContent xmlns:mc="http://schemas.openxmlformats.org/markup-compatibility/2006" xmlns:a14="http://schemas.microsoft.com/office/drawing/2010/main">
-        <mc:Choice Requires="a14">
+      <mc:AlternateContent xmlns:mc="http://schemas.openxmlformats.org/markup-compatibility/2006">
+        <mc:Choice xmlns:a14="http://schemas.microsoft.com/office/drawing/2010/main" Requires="a14">
           <p:sp>
             <p:nvSpPr>
               <p:cNvPr id="4" name="Text Placeholder 3">
@@ -12632,7 +12632,7 @@
                             <a:latin typeface="Cambria Math" panose="02040503050406030204" pitchFamily="18" charset="0"/>
                             <a:ea typeface="Cambria Math" panose="02040503050406030204" pitchFamily="18" charset="0"/>
                           </a:rPr>
-                          <m:t>𝟎</m:t>
+                          <m:t>𝒄𝒖𝒕𝒐𝒇𝒇</m:t>
                         </m:r>
                       </m:sub>
                     </m:sSub>
@@ -12711,7 +12711,7 @@
                           <a:rPr lang="en-US" b="1" i="1" smtClean="0">
                             <a:latin typeface="Cambria Math" panose="02040503050406030204" pitchFamily="18" charset="0"/>
                           </a:rPr>
-                          <m:t>𝟎</m:t>
+                          <m:t>𝒄𝒖𝒕𝒐𝒇𝒇</m:t>
                         </m:r>
                       </m:sub>
                       <m:sup>
@@ -12888,7 +12888,7 @@
             </p:txBody>
           </p:sp>
         </mc:Choice>
-        <mc:Fallback xmlns="">
+        <mc:Fallback>
           <p:sp>
             <p:nvSpPr>
               <p:cNvPr id="4" name="Text Placeholder 3">

--- a/course-material/assignment-2021.pptx
+++ b/course-material/assignment-2021.pptx
@@ -9844,8 +9844,8 @@
           </a:p>
         </p:txBody>
       </p:sp>
-      <mc:AlternateContent xmlns:mc="http://schemas.openxmlformats.org/markup-compatibility/2006">
-        <mc:Choice xmlns:a14="http://schemas.microsoft.com/office/drawing/2010/main" Requires="a14">
+      <mc:AlternateContent xmlns:mc="http://schemas.openxmlformats.org/markup-compatibility/2006" xmlns:a14="http://schemas.microsoft.com/office/drawing/2010/main">
+        <mc:Choice Requires="a14">
           <p:sp>
             <p:nvSpPr>
               <p:cNvPr id="4" name="Text Placeholder 3">
@@ -9992,7 +9992,7 @@
             </p:txBody>
           </p:sp>
         </mc:Choice>
-        <mc:Fallback>
+        <mc:Fallback xmlns="">
           <p:sp>
             <p:nvSpPr>
               <p:cNvPr id="4" name="Text Placeholder 3">
@@ -11053,13 +11053,13 @@
               <a:rPr lang="en-GB" sz="2000" b="0" dirty="0" err="1">
                 <a:latin typeface="Courier" pitchFamily="2" charset="0"/>
               </a:rPr>
-              <a:t>cmn.generateAtoms</a:t>
+              <a:t>box.generateAtoms</a:t>
             </a:r>
             <a:r>
               <a:rPr lang="en-GB" sz="2000" b="0" dirty="0">
                 <a:latin typeface="Courier" pitchFamily="2" charset="0"/>
               </a:rPr>
-              <a:t>(box, r=1.0)</a:t>
+              <a:t>(r=1.0)</a:t>
             </a:r>
           </a:p>
           <a:p>
@@ -11324,53 +11324,6 @@
             <a:pPr marL="0" indent="0">
               <a:buNone/>
             </a:pPr>
-            <a:r>
-              <a:rPr lang="en-GB" sz="2000" b="0" dirty="0">
-                <a:latin typeface="Courier" pitchFamily="2" charset="0"/>
-              </a:rPr>
-              <a:t>import </a:t>
-            </a:r>
-            <a:r>
-              <a:rPr lang="en-GB" sz="2000" b="0" dirty="0" err="1">
-                <a:latin typeface="Courier" pitchFamily="2" charset="0"/>
-              </a:rPr>
-              <a:t>numpy</a:t>
-            </a:r>
-            <a:r>
-              <a:rPr lang="en-GB" sz="2000" b="0" dirty="0">
-                <a:latin typeface="Courier" pitchFamily="2" charset="0"/>
-              </a:rPr>
-              <a:t> as np</a:t>
-            </a:r>
-          </a:p>
-          <a:p>
-            <a:pPr marL="0" indent="0">
-              <a:buNone/>
-            </a:pPr>
-            <a:r>
-              <a:rPr lang="en-GB" sz="2000" b="0" dirty="0">
-                <a:latin typeface="Courier" pitchFamily="2" charset="0"/>
-              </a:rPr>
-              <a:t>import </a:t>
-            </a:r>
-            <a:r>
-              <a:rPr lang="en-GB" sz="2000" b="0" dirty="0" err="1">
-                <a:latin typeface="Courier" pitchFamily="2" charset="0"/>
-              </a:rPr>
-              <a:t>et_ppmdcommon</a:t>
-            </a:r>
-            <a:r>
-              <a:rPr lang="en-GB" sz="2000" b="0" dirty="0">
-                <a:latin typeface="Courier" pitchFamily="2" charset="0"/>
-              </a:rPr>
-              <a:t> as </a:t>
-            </a:r>
-            <a:r>
-              <a:rPr lang="en-GB" sz="2000" b="0" dirty="0" err="1">
-                <a:latin typeface="Courier" pitchFamily="2" charset="0"/>
-              </a:rPr>
-              <a:t>cmn</a:t>
-            </a:r>
             <a:endParaRPr lang="en-GB" sz="2000" b="0" dirty="0">
               <a:latin typeface="Courier" pitchFamily="2" charset="0"/>
             </a:endParaRPr>
@@ -11387,6 +11340,14 @@
             <a:pPr marL="0" indent="0">
               <a:buNone/>
             </a:pPr>
+            <a:endParaRPr lang="en-GB" sz="2000" b="0" dirty="0">
+              <a:latin typeface="Courier" pitchFamily="2" charset="0"/>
+            </a:endParaRPr>
+          </a:p>
+          <a:p>
+            <a:pPr marL="0" indent="0">
+              <a:buNone/>
+            </a:pPr>
             <a:r>
               <a:rPr lang="en-GB" sz="2000" b="0" dirty="0" err="1">
                 <a:latin typeface="Courier" pitchFamily="2" charset="0"/>
@@ -11403,7 +11364,7 @@
               <a:rPr lang="en-GB" sz="2000" b="0" dirty="0" err="1">
                 <a:latin typeface="Courier" pitchFamily="2" charset="0"/>
               </a:rPr>
-              <a:t>cmn.generateAtoms</a:t>
+              <a:t>box.generateAtoms</a:t>
             </a:r>
             <a:r>
               <a:rPr lang="en-GB" sz="2000" b="0" dirty="0">
@@ -12481,8 +12442,8 @@
           </a:p>
         </p:txBody>
       </p:sp>
-      <mc:AlternateContent xmlns:mc="http://schemas.openxmlformats.org/markup-compatibility/2006">
-        <mc:Choice xmlns:a14="http://schemas.microsoft.com/office/drawing/2010/main" Requires="a14">
+      <mc:AlternateContent xmlns:mc="http://schemas.openxmlformats.org/markup-compatibility/2006" xmlns:a14="http://schemas.microsoft.com/office/drawing/2010/main">
+        <mc:Choice Requires="a14">
           <p:sp>
             <p:nvSpPr>
               <p:cNvPr id="4" name="Text Placeholder 3">
@@ -12888,7 +12849,7 @@
             </p:txBody>
           </p:sp>
         </mc:Choice>
-        <mc:Fallback>
+        <mc:Fallback xmlns="">
           <p:sp>
             <p:nvSpPr>
               <p:cNvPr id="4" name="Text Placeholder 3">
@@ -16312,7 +16273,7 @@
         </a:ln>
         <a:extLst>
           <a:ext uri="{91240B29-F687-4f45-9708-019B960494DF}">
-            <a14:hiddenLine xmlns:a14="http://schemas.microsoft.com/office/drawing/2010/main" xmlns="" xmlns:p="http://schemas.openxmlformats.org/presentationml/2006/main" w="9525">
+            <a14:hiddenLine xmlns:p="http://schemas.openxmlformats.org/presentationml/2006/main" xmlns="" xmlns:a14="http://schemas.microsoft.com/office/drawing/2010/main" w="9525">
               <a:solidFill>
                 <a:srgbClr val="000000"/>
               </a:solidFill>
@@ -16990,18 +16951,18 @@
 </file>
 
 <file path=customXml/item1.xml><?xml version="1.0" encoding="utf-8"?>
+<p:properties xmlns:p="http://schemas.microsoft.com/office/2006/metadata/properties" xmlns:xsi="http://www.w3.org/2001/XMLSchema-instance" xmlns:pc="http://schemas.microsoft.com/office/infopath/2007/PartnerControls">
+  <documentManagement/>
+</p:properties>
+</file>
+
+<file path=customXml/item2.xml><?xml version="1.0" encoding="utf-8"?>
 <?mso-contentType ?>
 <FormTemplates xmlns="http://schemas.microsoft.com/sharepoint/v3/contenttype/forms">
   <Display>DocumentLibraryForm</Display>
   <Edit>DocumentLibraryForm</Edit>
   <New>DocumentLibraryForm</New>
 </FormTemplates>
-</file>
-
-<file path=customXml/item2.xml><?xml version="1.0" encoding="utf-8"?>
-<p:properties xmlns:p="http://schemas.microsoft.com/office/2006/metadata/properties" xmlns:xsi="http://www.w3.org/2001/XMLSchema-instance" xmlns:pc="http://schemas.microsoft.com/office/infopath/2007/PartnerControls">
-  <documentManagement/>
-</p:properties>
 </file>
 
 <file path=customXml/item3.xml><?xml version="1.0" encoding="utf-8"?>
@@ -17202,18 +17163,18 @@
 </file>
 
 <file path=customXml/itemProps1.xml><?xml version="1.0" encoding="utf-8"?>
-<ds:datastoreItem xmlns:ds="http://schemas.openxmlformats.org/officeDocument/2006/customXml" ds:itemID="{5D6EDECA-2FC6-4CC6-BF57-774C7A66E703}">
+<ds:datastoreItem xmlns:ds="http://schemas.openxmlformats.org/officeDocument/2006/customXml" ds:itemID="{A5A93269-0A2D-4449-AFE7-E8570D6EC4CB}">
   <ds:schemaRefs>
-    <ds:schemaRef ds:uri="http://schemas.microsoft.com/sharepoint/v3/contenttype/forms"/>
+    <ds:schemaRef ds:uri="http://schemas.microsoft.com/office/2006/metadata/properties"/>
+    <ds:schemaRef ds:uri="http://schemas.microsoft.com/office/infopath/2007/PartnerControls"/>
   </ds:schemaRefs>
 </ds:datastoreItem>
 </file>
 
 <file path=customXml/itemProps2.xml><?xml version="1.0" encoding="utf-8"?>
-<ds:datastoreItem xmlns:ds="http://schemas.openxmlformats.org/officeDocument/2006/customXml" ds:itemID="{A5A93269-0A2D-4449-AFE7-E8570D6EC4CB}">
+<ds:datastoreItem xmlns:ds="http://schemas.openxmlformats.org/officeDocument/2006/customXml" ds:itemID="{5D6EDECA-2FC6-4CC6-BF57-774C7A66E703}">
   <ds:schemaRefs>
-    <ds:schemaRef ds:uri="http://schemas.microsoft.com/office/2006/metadata/properties"/>
-    <ds:schemaRef ds:uri="http://schemas.microsoft.com/office/infopath/2007/PartnerControls"/>
+    <ds:schemaRef ds:uri="http://schemas.microsoft.com/sharepoint/v3/contenttype/forms"/>
   </ds:schemaRefs>
 </ds:datastoreItem>
 </file>
